--- a/trunk/Document/OMCS_Slide re-defend.pptx
+++ b/trunk/Document/OMCS_Slide re-defend.pptx
@@ -3172,7 +3172,7 @@
           <a:p>
             <a:fld id="{3A911585-E7AF-4F9D-B4B2-D6F890EBD4FF}" type="datetimeFigureOut">
               <a:rPr lang="en-US" smtClean="0"/>
-              <a:t>9/22/2014</a:t>
+              <a:t>9/23/2014</a:t>
             </a:fld>
             <a:endParaRPr lang="en-US"/>
           </a:p>
@@ -3405,7 +3405,7 @@
           <a:p>
             <a:fld id="{3A911585-E7AF-4F9D-B4B2-D6F890EBD4FF}" type="datetimeFigureOut">
               <a:rPr lang="en-US" smtClean="0"/>
-              <a:t>9/22/2014</a:t>
+              <a:t>9/23/2014</a:t>
             </a:fld>
             <a:endParaRPr lang="en-US"/>
           </a:p>
@@ -3590,7 +3590,7 @@
           <a:p>
             <a:fld id="{3A911585-E7AF-4F9D-B4B2-D6F890EBD4FF}" type="datetimeFigureOut">
               <a:rPr lang="en-US" smtClean="0"/>
-              <a:t>9/22/2014</a:t>
+              <a:t>9/23/2014</a:t>
             </a:fld>
             <a:endParaRPr lang="en-US"/>
           </a:p>
@@ -3740,7 +3740,7 @@
           <a:p>
             <a:fld id="{3A911585-E7AF-4F9D-B4B2-D6F890EBD4FF}" type="datetimeFigureOut">
               <a:rPr lang="en-US" smtClean="0"/>
-              <a:t>9/22/2014</a:t>
+              <a:t>9/23/2014</a:t>
             </a:fld>
             <a:endParaRPr lang="en-US"/>
           </a:p>
@@ -4070,7 +4070,7 @@
           <a:p>
             <a:fld id="{3A911585-E7AF-4F9D-B4B2-D6F890EBD4FF}" type="datetimeFigureOut">
               <a:rPr lang="en-US" smtClean="0"/>
-              <a:t>9/22/2014</a:t>
+              <a:t>9/23/2014</a:t>
             </a:fld>
             <a:endParaRPr lang="en-US"/>
           </a:p>
@@ -4486,7 +4486,7 @@
           <a:p>
             <a:fld id="{3A911585-E7AF-4F9D-B4B2-D6F890EBD4FF}" type="datetimeFigureOut">
               <a:rPr lang="en-US" smtClean="0"/>
-              <a:t>9/22/2014</a:t>
+              <a:t>9/23/2014</a:t>
             </a:fld>
             <a:endParaRPr lang="en-US"/>
           </a:p>
@@ -4939,7 +4939,7 @@
           <a:p>
             <a:fld id="{3A911585-E7AF-4F9D-B4B2-D6F890EBD4FF}" type="datetimeFigureOut">
               <a:rPr lang="en-US" smtClean="0"/>
-              <a:t>9/22/2014</a:t>
+              <a:t>9/23/2014</a:t>
             </a:fld>
             <a:endParaRPr lang="en-US"/>
           </a:p>
@@ -5040,7 +5040,7 @@
           <a:p>
             <a:fld id="{3A911585-E7AF-4F9D-B4B2-D6F890EBD4FF}" type="datetimeFigureOut">
               <a:rPr lang="en-US" smtClean="0"/>
-              <a:t>9/22/2014</a:t>
+              <a:t>9/23/2014</a:t>
             </a:fld>
             <a:endParaRPr lang="en-US"/>
           </a:p>
@@ -5161,7 +5161,7 @@
           <a:p>
             <a:fld id="{3A911585-E7AF-4F9D-B4B2-D6F890EBD4FF}" type="datetimeFigureOut">
               <a:rPr lang="en-US" smtClean="0"/>
-              <a:t>9/22/2014</a:t>
+              <a:t>9/23/2014</a:t>
             </a:fld>
             <a:endParaRPr lang="en-US"/>
           </a:p>
@@ -5465,7 +5465,7 @@
           <a:p>
             <a:fld id="{3A911585-E7AF-4F9D-B4B2-D6F890EBD4FF}" type="datetimeFigureOut">
               <a:rPr lang="en-US" smtClean="0"/>
-              <a:t>9/22/2014</a:t>
+              <a:t>9/23/2014</a:t>
             </a:fld>
             <a:endParaRPr lang="en-US"/>
           </a:p>
@@ -5670,7 +5670,7 @@
           <a:p>
             <a:fld id="{3A911585-E7AF-4F9D-B4B2-D6F890EBD4FF}" type="datetimeFigureOut">
               <a:rPr lang="en-US" smtClean="0"/>
-              <a:t>9/22/2014</a:t>
+              <a:t>9/23/2014</a:t>
             </a:fld>
             <a:endParaRPr lang="en-US"/>
           </a:p>
@@ -6779,7 +6779,7 @@
           <a:p>
             <a:fld id="{3A911585-E7AF-4F9D-B4B2-D6F890EBD4FF}" type="datetimeFigureOut">
               <a:rPr lang="en-US" smtClean="0"/>
-              <a:t>9/22/2014</a:t>
+              <a:t>9/23/2014</a:t>
             </a:fld>
             <a:endParaRPr lang="en-US"/>
           </a:p>
@@ -8312,25 +8312,6 @@
           </a:p>
         </p:txBody>
       </p:sp>
-      <p:sp>
-        <p:nvSpPr>
-          <p:cNvPr id="4" name="Content Placeholder 3"/>
-          <p:cNvSpPr>
-            <a:spLocks noGrp="1"/>
-          </p:cNvSpPr>
-          <p:nvPr>
-            <p:ph idx="1"/>
-          </p:nvPr>
-        </p:nvSpPr>
-        <p:spPr/>
-        <p:txBody>
-          <a:bodyPr/>
-          <a:lstStyle/>
-          <a:p>
-            <a:endParaRPr lang="en-US"/>
-          </a:p>
-        </p:txBody>
-      </p:sp>
       <p:pic>
         <p:nvPicPr>
           <p:cNvPr id="5" name="Picture 4" descr="E:\online-medical-consultant-system\Document\Report\Diagram\ERD\Capture webcam.png"/>

--- a/trunk/Document/OMCS_Slide re-defend.pptx
+++ b/trunk/Document/OMCS_Slide re-defend.pptx
@@ -7437,7 +7437,7 @@
             <a:pPr lvl="0"/>
             <a:r>
               <a:rPr lang="en-US" sz="3200" dirty="0" smtClean="0"/>
-              <a:t>List of changes</a:t>
+              <a:t>New features</a:t>
             </a:r>
           </a:p>
           <a:p>

--- a/trunk/Document/OMCS_Slide re-defend.pptx
+++ b/trunk/Document/OMCS_Slide re-defend.pptx
@@ -10,9 +10,10 @@
     <p:sldId id="263" r:id="rId4"/>
     <p:sldId id="259" r:id="rId5"/>
     <p:sldId id="265" r:id="rId6"/>
-    <p:sldId id="264" r:id="rId7"/>
-    <p:sldId id="266" r:id="rId8"/>
-    <p:sldId id="262" r:id="rId9"/>
+    <p:sldId id="267" r:id="rId7"/>
+    <p:sldId id="264" r:id="rId8"/>
+    <p:sldId id="266" r:id="rId9"/>
+    <p:sldId id="262" r:id="rId10"/>
   </p:sldIdLst>
   <p:sldSz cx="9144000" cy="6858000" type="screen4x3"/>
   <p:notesSz cx="6858000" cy="9144000"/>
@@ -3172,7 +3173,7 @@
           <a:p>
             <a:fld id="{3A911585-E7AF-4F9D-B4B2-D6F890EBD4FF}" type="datetimeFigureOut">
               <a:rPr lang="en-US" smtClean="0"/>
-              <a:t>9/23/2014</a:t>
+              <a:t>10/2/2014</a:t>
             </a:fld>
             <a:endParaRPr lang="en-US"/>
           </a:p>
@@ -3405,7 +3406,7 @@
           <a:p>
             <a:fld id="{3A911585-E7AF-4F9D-B4B2-D6F890EBD4FF}" type="datetimeFigureOut">
               <a:rPr lang="en-US" smtClean="0"/>
-              <a:t>9/23/2014</a:t>
+              <a:t>10/2/2014</a:t>
             </a:fld>
             <a:endParaRPr lang="en-US"/>
           </a:p>
@@ -3590,7 +3591,7 @@
           <a:p>
             <a:fld id="{3A911585-E7AF-4F9D-B4B2-D6F890EBD4FF}" type="datetimeFigureOut">
               <a:rPr lang="en-US" smtClean="0"/>
-              <a:t>9/23/2014</a:t>
+              <a:t>10/2/2014</a:t>
             </a:fld>
             <a:endParaRPr lang="en-US"/>
           </a:p>
@@ -3740,7 +3741,7 @@
           <a:p>
             <a:fld id="{3A911585-E7AF-4F9D-B4B2-D6F890EBD4FF}" type="datetimeFigureOut">
               <a:rPr lang="en-US" smtClean="0"/>
-              <a:t>9/23/2014</a:t>
+              <a:t>10/2/2014</a:t>
             </a:fld>
             <a:endParaRPr lang="en-US"/>
           </a:p>
@@ -4070,7 +4071,7 @@
           <a:p>
             <a:fld id="{3A911585-E7AF-4F9D-B4B2-D6F890EBD4FF}" type="datetimeFigureOut">
               <a:rPr lang="en-US" smtClean="0"/>
-              <a:t>9/23/2014</a:t>
+              <a:t>10/2/2014</a:t>
             </a:fld>
             <a:endParaRPr lang="en-US"/>
           </a:p>
@@ -4486,7 +4487,7 @@
           <a:p>
             <a:fld id="{3A911585-E7AF-4F9D-B4B2-D6F890EBD4FF}" type="datetimeFigureOut">
               <a:rPr lang="en-US" smtClean="0"/>
-              <a:t>9/23/2014</a:t>
+              <a:t>10/2/2014</a:t>
             </a:fld>
             <a:endParaRPr lang="en-US"/>
           </a:p>
@@ -4939,7 +4940,7 @@
           <a:p>
             <a:fld id="{3A911585-E7AF-4F9D-B4B2-D6F890EBD4FF}" type="datetimeFigureOut">
               <a:rPr lang="en-US" smtClean="0"/>
-              <a:t>9/23/2014</a:t>
+              <a:t>10/2/2014</a:t>
             </a:fld>
             <a:endParaRPr lang="en-US"/>
           </a:p>
@@ -5040,7 +5041,7 @@
           <a:p>
             <a:fld id="{3A911585-E7AF-4F9D-B4B2-D6F890EBD4FF}" type="datetimeFigureOut">
               <a:rPr lang="en-US" smtClean="0"/>
-              <a:t>9/23/2014</a:t>
+              <a:t>10/2/2014</a:t>
             </a:fld>
             <a:endParaRPr lang="en-US"/>
           </a:p>
@@ -5161,7 +5162,7 @@
           <a:p>
             <a:fld id="{3A911585-E7AF-4F9D-B4B2-D6F890EBD4FF}" type="datetimeFigureOut">
               <a:rPr lang="en-US" smtClean="0"/>
-              <a:t>9/23/2014</a:t>
+              <a:t>10/2/2014</a:t>
             </a:fld>
             <a:endParaRPr lang="en-US"/>
           </a:p>
@@ -5465,7 +5466,7 @@
           <a:p>
             <a:fld id="{3A911585-E7AF-4F9D-B4B2-D6F890EBD4FF}" type="datetimeFigureOut">
               <a:rPr lang="en-US" smtClean="0"/>
-              <a:t>9/23/2014</a:t>
+              <a:t>10/2/2014</a:t>
             </a:fld>
             <a:endParaRPr lang="en-US"/>
           </a:p>
@@ -5670,7 +5671,7 @@
           <a:p>
             <a:fld id="{3A911585-E7AF-4F9D-B4B2-D6F890EBD4FF}" type="datetimeFigureOut">
               <a:rPr lang="en-US" smtClean="0"/>
-              <a:t>9/23/2014</a:t>
+              <a:t>10/2/2014</a:t>
             </a:fld>
             <a:endParaRPr lang="en-US"/>
           </a:p>
@@ -6779,7 +6780,7 @@
           <a:p>
             <a:fld id="{3A911585-E7AF-4F9D-B4B2-D6F890EBD4FF}" type="datetimeFigureOut">
               <a:rPr lang="en-US" smtClean="0"/>
-              <a:t>9/23/2014</a:t>
+              <a:t>10/2/2014</a:t>
             </a:fld>
             <a:endParaRPr lang="en-US"/>
           </a:p>
@@ -7624,7 +7625,7 @@
         </p:blipFill>
         <p:spPr bwMode="auto">
           <a:xfrm>
-            <a:off x="518885" y="1636147"/>
+            <a:off x="455325" y="2682249"/>
             <a:ext cx="1676400" cy="1676400"/>
           </a:xfrm>
           <a:prstGeom prst="rect">
@@ -7650,7 +7651,7 @@
         </p:nvSpPr>
         <p:spPr>
           <a:xfrm>
-            <a:off x="3262085" y="2089207"/>
+            <a:off x="3198525" y="3135309"/>
             <a:ext cx="2438400" cy="770279"/>
           </a:xfrm>
           <a:prstGeom prst="rect">
@@ -7693,7 +7694,7 @@
         </p:nvSpPr>
         <p:spPr>
           <a:xfrm>
-            <a:off x="6705597" y="1224619"/>
+            <a:off x="6667438" y="1303251"/>
             <a:ext cx="1919516" cy="609600"/>
           </a:xfrm>
           <a:prstGeom prst="rect">
@@ -7737,7 +7738,7 @@
         </p:nvSpPr>
         <p:spPr>
           <a:xfrm>
-            <a:off x="6694713" y="2139019"/>
+            <a:off x="6656553" y="2217651"/>
             <a:ext cx="1905000" cy="593042"/>
           </a:xfrm>
           <a:prstGeom prst="rect">
@@ -7784,7 +7785,7 @@
         </p:nvCxnSpPr>
         <p:spPr>
           <a:xfrm>
-            <a:off x="2195285" y="2474347"/>
+            <a:off x="2131725" y="3520449"/>
             <a:ext cx="1066800" cy="0"/>
           </a:xfrm>
           <a:prstGeom prst="straightConnector1">
@@ -7820,8 +7821,8 @@
         </p:nvCxnSpPr>
         <p:spPr>
           <a:xfrm flipV="1">
-            <a:off x="5700485" y="1529419"/>
-            <a:ext cx="1005112" cy="944928"/>
+            <a:off x="5636925" y="1608051"/>
+            <a:ext cx="1030513" cy="1912398"/>
           </a:xfrm>
           <a:prstGeom prst="straightConnector1">
             <a:avLst/>
@@ -7856,8 +7857,8 @@
         </p:nvCxnSpPr>
         <p:spPr>
           <a:xfrm flipV="1">
-            <a:off x="5700485" y="2435540"/>
-            <a:ext cx="994228" cy="38807"/>
+            <a:off x="5636925" y="2514172"/>
+            <a:ext cx="1019628" cy="1006277"/>
           </a:xfrm>
           <a:prstGeom prst="straightConnector1">
             <a:avLst/>
@@ -7914,7 +7915,7 @@
         </p:nvSpPr>
         <p:spPr>
           <a:xfrm>
-            <a:off x="823685" y="3446001"/>
+            <a:off x="760125" y="4492103"/>
             <a:ext cx="939681" cy="369332"/>
           </a:xfrm>
           <a:prstGeom prst="rect">
@@ -7944,7 +7945,7 @@
         </p:nvSpPr>
         <p:spPr>
           <a:xfrm>
-            <a:off x="6767285" y="3056677"/>
+            <a:off x="6681954" y="3135309"/>
             <a:ext cx="1905000" cy="593042"/>
           </a:xfrm>
           <a:prstGeom prst="rect">
@@ -7990,9 +7991,9 @@
           <p:nvPr/>
         </p:nvCxnSpPr>
         <p:spPr>
-          <a:xfrm>
-            <a:off x="5700485" y="2474347"/>
-            <a:ext cx="1066800" cy="878851"/>
+          <a:xfrm flipV="1">
+            <a:off x="5636925" y="3431830"/>
+            <a:ext cx="1045029" cy="88619"/>
           </a:xfrm>
           <a:prstGeom prst="straightConnector1">
             <a:avLst/>
@@ -8016,87 +8017,16 @@
           </a:fontRef>
         </p:style>
       </p:cxnSp>
-      <p:pic>
-        <p:nvPicPr>
-          <p:cNvPr id="40" name="Picture 2" descr="C:\Users\danhtc\Desktop\People-Patient-Male-icon.png"/>
-          <p:cNvPicPr>
-            <a:picLocks noChangeAspect="1" noChangeArrowheads="1"/>
-          </p:cNvPicPr>
-          <p:nvPr/>
-        </p:nvPicPr>
-        <p:blipFill>
-          <a:blip r:embed="rId3">
-            <a:extLst>
-              <a:ext uri="{28A0092B-C50C-407E-A947-70E740481C1C}">
-                <a14:useLocalDpi xmlns:a14="http://schemas.microsoft.com/office/drawing/2010/main" val="0"/>
-              </a:ext>
-            </a:extLst>
-          </a:blip>
-          <a:srcRect/>
-          <a:stretch>
-            <a:fillRect/>
-          </a:stretch>
-        </p:blipFill>
-        <p:spPr bwMode="auto">
-          <a:xfrm>
-            <a:off x="2494643" y="3750019"/>
-            <a:ext cx="1905000" cy="1905000"/>
-          </a:xfrm>
-          <a:prstGeom prst="rect">
-            <a:avLst/>
-          </a:prstGeom>
-          <a:noFill/>
-          <a:extLst>
-            <a:ext uri="{909E8E84-426E-40DD-AFC4-6F175D3DCCD1}">
-              <a14:hiddenFill xmlns:a14="http://schemas.microsoft.com/office/drawing/2010/main">
-                <a:solidFill>
-                  <a:srgbClr val="FFFFFF"/>
-                </a:solidFill>
-              </a14:hiddenFill>
-            </a:ext>
-          </a:extLst>
-        </p:spPr>
-      </p:pic>
-      <p:sp>
-        <p:nvSpPr>
-          <p:cNvPr id="41" name="TextBox 40"/>
-          <p:cNvSpPr txBox="1"/>
+      <p:sp>
+        <p:nvSpPr>
+          <p:cNvPr id="17" name="Rectangle 16"/>
+          <p:cNvSpPr/>
           <p:nvPr/>
         </p:nvSpPr>
         <p:spPr>
           <a:xfrm>
-            <a:off x="2723243" y="5712043"/>
-            <a:ext cx="952505" cy="369332"/>
-          </a:xfrm>
-          <a:prstGeom prst="rect">
-            <a:avLst/>
-          </a:prstGeom>
-          <a:noFill/>
-        </p:spPr>
-        <p:txBody>
-          <a:bodyPr wrap="none" rtlCol="0">
-            <a:spAutoFit/>
-          </a:bodyPr>
-          <a:lstStyle/>
-          <a:p>
-            <a:r>
-              <a:rPr lang="en-US" dirty="0" smtClean="0"/>
-              <a:t>Patient</a:t>
-            </a:r>
-            <a:endParaRPr lang="en-US" dirty="0"/>
-          </a:p>
-        </p:txBody>
-      </p:sp>
-      <p:sp>
-        <p:nvSpPr>
-          <p:cNvPr id="42" name="Rectangle 41"/>
-          <p:cNvSpPr/>
-          <p:nvPr/>
-        </p:nvSpPr>
-        <p:spPr>
-          <a:xfrm>
-            <a:off x="6186713" y="4572000"/>
-            <a:ext cx="2438400" cy="770279"/>
+            <a:off x="6674696" y="4035075"/>
+            <a:ext cx="1919516" cy="609600"/>
           </a:xfrm>
           <a:prstGeom prst="rect">
             <a:avLst/>
@@ -8125,23 +8055,105 @@
             <a:pPr algn="ctr"/>
             <a:r>
               <a:rPr lang="en-US" dirty="0" smtClean="0"/>
-              <a:t>View treatment history</a:t>
-            </a:r>
+              <a:t>Search patient</a:t>
+            </a:r>
+            <a:endParaRPr lang="en-US" dirty="0"/>
           </a:p>
         </p:txBody>
       </p:sp>
       <p:cxnSp>
         <p:nvCxnSpPr>
-          <p:cNvPr id="43" name="Straight Arrow Connector 42"/>
+          <p:cNvPr id="7" name="Straight Arrow Connector 6"/>
           <p:cNvCxnSpPr>
-            <a:endCxn id="42" idx="1"/>
+            <a:stCxn id="4" idx="3"/>
+            <a:endCxn id="17" idx="1"/>
           </p:cNvCxnSpPr>
           <p:nvPr/>
         </p:nvCxnSpPr>
         <p:spPr>
           <a:xfrm>
-            <a:off x="4267200" y="4927772"/>
-            <a:ext cx="1919513" cy="29368"/>
+            <a:off x="5636925" y="3520449"/>
+            <a:ext cx="1037771" cy="819426"/>
+          </a:xfrm>
+          <a:prstGeom prst="straightConnector1">
+            <a:avLst/>
+          </a:prstGeom>
+          <a:ln>
+            <a:tailEnd type="arrow"/>
+          </a:ln>
+        </p:spPr>
+        <p:style>
+          <a:lnRef idx="1">
+            <a:schemeClr val="accent1"/>
+          </a:lnRef>
+          <a:fillRef idx="0">
+            <a:schemeClr val="accent1"/>
+          </a:fillRef>
+          <a:effectRef idx="0">
+            <a:schemeClr val="accent1"/>
+          </a:effectRef>
+          <a:fontRef idx="minor">
+            <a:schemeClr val="tx1"/>
+          </a:fontRef>
+        </p:style>
+      </p:cxnSp>
+      <p:sp>
+        <p:nvSpPr>
+          <p:cNvPr id="27" name="Rectangle 26"/>
+          <p:cNvSpPr/>
+          <p:nvPr/>
+        </p:nvSpPr>
+        <p:spPr>
+          <a:xfrm>
+            <a:off x="6642037" y="4797075"/>
+            <a:ext cx="1919516" cy="609600"/>
+          </a:xfrm>
+          <a:prstGeom prst="rect">
+            <a:avLst/>
+          </a:prstGeom>
+        </p:spPr>
+        <p:style>
+          <a:lnRef idx="2">
+            <a:schemeClr val="accent1">
+              <a:shade val="50000"/>
+            </a:schemeClr>
+          </a:lnRef>
+          <a:fillRef idx="1">
+            <a:schemeClr val="accent1"/>
+          </a:fillRef>
+          <a:effectRef idx="0">
+            <a:schemeClr val="accent1"/>
+          </a:effectRef>
+          <a:fontRef idx="minor">
+            <a:schemeClr val="lt1"/>
+          </a:fontRef>
+        </p:style>
+        <p:txBody>
+          <a:bodyPr rtlCol="0" anchor="ctr"/>
+          <a:lstStyle/>
+          <a:p>
+            <a:pPr algn="ctr"/>
+            <a:r>
+              <a:rPr lang="en-US" dirty="0" smtClean="0"/>
+              <a:t>Create treatment</a:t>
+            </a:r>
+            <a:endParaRPr lang="en-US" dirty="0"/>
+          </a:p>
+        </p:txBody>
+      </p:sp>
+      <p:cxnSp>
+        <p:nvCxnSpPr>
+          <p:cNvPr id="15" name="Straight Arrow Connector 14"/>
+          <p:cNvCxnSpPr>
+            <a:stCxn id="4" idx="3"/>
+            <a:endCxn id="27" idx="1"/>
+          </p:cNvCxnSpPr>
+          <p:nvPr/>
+        </p:nvCxnSpPr>
+        <p:spPr>
+          <a:xfrm>
+            <a:off x="5636925" y="3520449"/>
+            <a:ext cx="1005112" cy="1581426"/>
           </a:xfrm>
           <a:prstGeom prst="straightConnector1">
             <a:avLst/>
@@ -8202,6 +8214,378 @@
           <a:chExt cx="0" cy="0"/>
         </a:xfrm>
       </p:grpSpPr>
+      <p:sp>
+        <p:nvSpPr>
+          <p:cNvPr id="8215" name="Title 8214"/>
+          <p:cNvSpPr>
+            <a:spLocks noGrp="1"/>
+          </p:cNvSpPr>
+          <p:nvPr>
+            <p:ph type="title"/>
+          </p:nvPr>
+        </p:nvSpPr>
+        <p:spPr/>
+        <p:txBody>
+          <a:bodyPr>
+            <a:normAutofit/>
+          </a:bodyPr>
+          <a:lstStyle/>
+          <a:p>
+            <a:r>
+              <a:rPr lang="en-US" sz="4000" dirty="0"/>
+              <a:t>New features</a:t>
+            </a:r>
+            <a:endParaRPr lang="en-US" dirty="0"/>
+          </a:p>
+        </p:txBody>
+      </p:sp>
+      <p:pic>
+        <p:nvPicPr>
+          <p:cNvPr id="40" name="Picture 2" descr="C:\Users\danhtc\Desktop\People-Patient-Male-icon.png"/>
+          <p:cNvPicPr>
+            <a:picLocks noChangeAspect="1" noChangeArrowheads="1"/>
+          </p:cNvPicPr>
+          <p:nvPr/>
+        </p:nvPicPr>
+        <p:blipFill>
+          <a:blip r:embed="rId2">
+            <a:extLst>
+              <a:ext uri="{28A0092B-C50C-407E-A947-70E740481C1C}">
+                <a14:useLocalDpi xmlns:a14="http://schemas.microsoft.com/office/drawing/2010/main" val="0"/>
+              </a:ext>
+            </a:extLst>
+          </a:blip>
+          <a:srcRect/>
+          <a:stretch>
+            <a:fillRect/>
+          </a:stretch>
+        </p:blipFill>
+        <p:spPr bwMode="auto">
+          <a:xfrm>
+            <a:off x="1364342" y="2482867"/>
+            <a:ext cx="1905000" cy="1905000"/>
+          </a:xfrm>
+          <a:prstGeom prst="rect">
+            <a:avLst/>
+          </a:prstGeom>
+          <a:noFill/>
+          <a:extLst>
+            <a:ext uri="{909E8E84-426E-40DD-AFC4-6F175D3DCCD1}">
+              <a14:hiddenFill xmlns:a14="http://schemas.microsoft.com/office/drawing/2010/main">
+                <a:solidFill>
+                  <a:srgbClr val="FFFFFF"/>
+                </a:solidFill>
+              </a14:hiddenFill>
+            </a:ext>
+          </a:extLst>
+        </p:spPr>
+      </p:pic>
+      <p:sp>
+        <p:nvSpPr>
+          <p:cNvPr id="41" name="TextBox 40"/>
+          <p:cNvSpPr txBox="1"/>
+          <p:nvPr/>
+        </p:nvSpPr>
+        <p:spPr>
+          <a:xfrm>
+            <a:off x="1603829" y="4481677"/>
+            <a:ext cx="952505" cy="369332"/>
+          </a:xfrm>
+          <a:prstGeom prst="rect">
+            <a:avLst/>
+          </a:prstGeom>
+          <a:noFill/>
+        </p:spPr>
+        <p:txBody>
+          <a:bodyPr wrap="none" rtlCol="0">
+            <a:spAutoFit/>
+          </a:bodyPr>
+          <a:lstStyle/>
+          <a:p>
+            <a:r>
+              <a:rPr lang="en-US" dirty="0" smtClean="0"/>
+              <a:t>Patient</a:t>
+            </a:r>
+            <a:endParaRPr lang="en-US" dirty="0"/>
+          </a:p>
+        </p:txBody>
+      </p:sp>
+      <p:sp>
+        <p:nvSpPr>
+          <p:cNvPr id="42" name="Rectangle 41"/>
+          <p:cNvSpPr/>
+          <p:nvPr/>
+        </p:nvSpPr>
+        <p:spPr>
+          <a:xfrm>
+            <a:off x="5334000" y="1773156"/>
+            <a:ext cx="2438400" cy="770279"/>
+          </a:xfrm>
+          <a:prstGeom prst="rect">
+            <a:avLst/>
+          </a:prstGeom>
+        </p:spPr>
+        <p:style>
+          <a:lnRef idx="2">
+            <a:schemeClr val="accent1">
+              <a:shade val="50000"/>
+            </a:schemeClr>
+          </a:lnRef>
+          <a:fillRef idx="1">
+            <a:schemeClr val="accent1"/>
+          </a:fillRef>
+          <a:effectRef idx="0">
+            <a:schemeClr val="accent1"/>
+          </a:effectRef>
+          <a:fontRef idx="minor">
+            <a:schemeClr val="lt1"/>
+          </a:fontRef>
+        </p:style>
+        <p:txBody>
+          <a:bodyPr rtlCol="0" anchor="ctr"/>
+          <a:lstStyle/>
+          <a:p>
+            <a:pPr algn="ctr"/>
+            <a:r>
+              <a:rPr lang="en-US" dirty="0" smtClean="0"/>
+              <a:t>View treatment history</a:t>
+            </a:r>
+          </a:p>
+        </p:txBody>
+      </p:sp>
+      <p:cxnSp>
+        <p:nvCxnSpPr>
+          <p:cNvPr id="43" name="Straight Arrow Connector 42"/>
+          <p:cNvCxnSpPr>
+            <a:stCxn id="40" idx="3"/>
+            <a:endCxn id="42" idx="1"/>
+          </p:cNvCxnSpPr>
+          <p:nvPr/>
+        </p:nvCxnSpPr>
+        <p:spPr>
+          <a:xfrm flipV="1">
+            <a:off x="3269342" y="2158296"/>
+            <a:ext cx="2064658" cy="1277071"/>
+          </a:xfrm>
+          <a:prstGeom prst="straightConnector1">
+            <a:avLst/>
+          </a:prstGeom>
+          <a:ln>
+            <a:tailEnd type="arrow"/>
+          </a:ln>
+        </p:spPr>
+        <p:style>
+          <a:lnRef idx="1">
+            <a:schemeClr val="accent1"/>
+          </a:lnRef>
+          <a:fillRef idx="0">
+            <a:schemeClr val="accent1"/>
+          </a:fillRef>
+          <a:effectRef idx="0">
+            <a:schemeClr val="accent1"/>
+          </a:effectRef>
+          <a:fontRef idx="minor">
+            <a:schemeClr val="tx1"/>
+          </a:fontRef>
+        </p:style>
+      </p:cxnSp>
+      <p:sp>
+        <p:nvSpPr>
+          <p:cNvPr id="32" name="Rectangle 31"/>
+          <p:cNvSpPr/>
+          <p:nvPr/>
+        </p:nvSpPr>
+        <p:spPr>
+          <a:xfrm>
+            <a:off x="5323114" y="3050228"/>
+            <a:ext cx="2438400" cy="770279"/>
+          </a:xfrm>
+          <a:prstGeom prst="rect">
+            <a:avLst/>
+          </a:prstGeom>
+        </p:spPr>
+        <p:style>
+          <a:lnRef idx="2">
+            <a:schemeClr val="accent1">
+              <a:shade val="50000"/>
+            </a:schemeClr>
+          </a:lnRef>
+          <a:fillRef idx="1">
+            <a:schemeClr val="accent1"/>
+          </a:fillRef>
+          <a:effectRef idx="0">
+            <a:schemeClr val="accent1"/>
+          </a:effectRef>
+          <a:fontRef idx="minor">
+            <a:schemeClr val="lt1"/>
+          </a:fontRef>
+        </p:style>
+        <p:txBody>
+          <a:bodyPr rtlCol="0" anchor="ctr"/>
+          <a:lstStyle/>
+          <a:p>
+            <a:pPr algn="ctr"/>
+            <a:r>
+              <a:rPr lang="en-US" dirty="0" smtClean="0"/>
+              <a:t>Request consult using form</a:t>
+            </a:r>
+            <a:endParaRPr lang="en-US" dirty="0" smtClean="0"/>
+          </a:p>
+        </p:txBody>
+      </p:sp>
+      <p:sp>
+        <p:nvSpPr>
+          <p:cNvPr id="33" name="Rectangle 32"/>
+          <p:cNvSpPr/>
+          <p:nvPr/>
+        </p:nvSpPr>
+        <p:spPr>
+          <a:xfrm>
+            <a:off x="5323114" y="4495800"/>
+            <a:ext cx="2438400" cy="770279"/>
+          </a:xfrm>
+          <a:prstGeom prst="rect">
+            <a:avLst/>
+          </a:prstGeom>
+        </p:spPr>
+        <p:style>
+          <a:lnRef idx="2">
+            <a:schemeClr val="accent1">
+              <a:shade val="50000"/>
+            </a:schemeClr>
+          </a:lnRef>
+          <a:fillRef idx="1">
+            <a:schemeClr val="accent1"/>
+          </a:fillRef>
+          <a:effectRef idx="0">
+            <a:schemeClr val="accent1"/>
+          </a:effectRef>
+          <a:fontRef idx="minor">
+            <a:schemeClr val="lt1"/>
+          </a:fontRef>
+        </p:style>
+        <p:txBody>
+          <a:bodyPr rtlCol="0" anchor="ctr"/>
+          <a:lstStyle/>
+          <a:p>
+            <a:pPr algn="ctr"/>
+            <a:r>
+              <a:rPr lang="en-US" dirty="0" smtClean="0"/>
+              <a:t>View position in waiting list</a:t>
+            </a:r>
+            <a:endParaRPr lang="en-US" dirty="0" smtClean="0"/>
+          </a:p>
+        </p:txBody>
+      </p:sp>
+      <p:cxnSp>
+        <p:nvCxnSpPr>
+          <p:cNvPr id="20" name="Straight Arrow Connector 19"/>
+          <p:cNvCxnSpPr>
+            <a:stCxn id="40" idx="3"/>
+            <a:endCxn id="33" idx="1"/>
+          </p:cNvCxnSpPr>
+          <p:nvPr/>
+        </p:nvCxnSpPr>
+        <p:spPr>
+          <a:xfrm>
+            <a:off x="3269342" y="3435367"/>
+            <a:ext cx="2053772" cy="1445573"/>
+          </a:xfrm>
+          <a:prstGeom prst="straightConnector1">
+            <a:avLst/>
+          </a:prstGeom>
+          <a:ln>
+            <a:tailEnd type="arrow"/>
+          </a:ln>
+        </p:spPr>
+        <p:style>
+          <a:lnRef idx="1">
+            <a:schemeClr val="accent1"/>
+          </a:lnRef>
+          <a:fillRef idx="0">
+            <a:schemeClr val="accent1"/>
+          </a:fillRef>
+          <a:effectRef idx="0">
+            <a:schemeClr val="accent1"/>
+          </a:effectRef>
+          <a:fontRef idx="minor">
+            <a:schemeClr val="tx1"/>
+          </a:fontRef>
+        </p:style>
+      </p:cxnSp>
+      <p:cxnSp>
+        <p:nvCxnSpPr>
+          <p:cNvPr id="10" name="Straight Arrow Connector 9"/>
+          <p:cNvCxnSpPr>
+            <a:stCxn id="40" idx="3"/>
+            <a:endCxn id="32" idx="1"/>
+          </p:cNvCxnSpPr>
+          <p:nvPr/>
+        </p:nvCxnSpPr>
+        <p:spPr>
+          <a:xfrm>
+            <a:off x="3269342" y="3435367"/>
+            <a:ext cx="2053772" cy="1"/>
+          </a:xfrm>
+          <a:prstGeom prst="straightConnector1">
+            <a:avLst/>
+          </a:prstGeom>
+          <a:ln>
+            <a:tailEnd type="arrow"/>
+          </a:ln>
+        </p:spPr>
+        <p:style>
+          <a:lnRef idx="1">
+            <a:schemeClr val="accent1"/>
+          </a:lnRef>
+          <a:fillRef idx="0">
+            <a:schemeClr val="accent1"/>
+          </a:fillRef>
+          <a:effectRef idx="0">
+            <a:schemeClr val="accent1"/>
+          </a:effectRef>
+          <a:fontRef idx="minor">
+            <a:schemeClr val="tx1"/>
+          </a:fontRef>
+        </p:style>
+      </p:cxnSp>
+    </p:spTree>
+    <p:extLst>
+      <p:ext uri="{BB962C8B-B14F-4D97-AF65-F5344CB8AC3E}">
+        <p14:creationId xmlns:p14="http://schemas.microsoft.com/office/powerpoint/2010/main" val="3829507605"/>
+      </p:ext>
+    </p:extLst>
+  </p:cSld>
+  <p:clrMapOvr>
+    <a:masterClrMapping/>
+  </p:clrMapOvr>
+  <p:timing>
+    <p:tnLst>
+      <p:par>
+        <p:cTn id="1" dur="indefinite" restart="never" nodeType="tmRoot"/>
+      </p:par>
+    </p:tnLst>
+  </p:timing>
+</p:sld>
+</file>
+
+<file path=ppt/slides/slide7.xml><?xml version="1.0" encoding="utf-8"?>
+<p:sld xmlns:a="http://schemas.openxmlformats.org/drawingml/2006/main" xmlns:r="http://schemas.openxmlformats.org/officeDocument/2006/relationships" xmlns:p="http://schemas.openxmlformats.org/presentationml/2006/main">
+  <p:cSld>
+    <p:spTree>
+      <p:nvGrpSpPr>
+        <p:cNvPr id="1" name=""/>
+        <p:cNvGrpSpPr/>
+        <p:nvPr/>
+      </p:nvGrpSpPr>
+      <p:grpSpPr>
+        <a:xfrm>
+          <a:off x="0" y="0"/>
+          <a:ext cx="0" cy="0"/>
+          <a:chOff x="0" y="0"/>
+          <a:chExt cx="0" cy="0"/>
+        </a:xfrm>
+      </p:grpSpPr>
       <p:graphicFrame>
         <p:nvGraphicFramePr>
           <p:cNvPr id="4" name="Content Placeholder 3"/>
@@ -8272,7 +8656,7 @@
 </p:sld>
 </file>
 
-<file path=ppt/slides/slide7.xml><?xml version="1.0" encoding="utf-8"?>
+<file path=ppt/slides/slide8.xml><?xml version="1.0" encoding="utf-8"?>
 <p:sld xmlns:a="http://schemas.openxmlformats.org/drawingml/2006/main" xmlns:r="http://schemas.openxmlformats.org/officeDocument/2006/relationships" xmlns:p="http://schemas.openxmlformats.org/presentationml/2006/main">
   <p:cSld>
     <p:spTree>
@@ -8365,7 +8749,7 @@
 </p:sld>
 </file>
 
-<file path=ppt/slides/slide8.xml><?xml version="1.0" encoding="utf-8"?>
+<file path=ppt/slides/slide9.xml><?xml version="1.0" encoding="utf-8"?>
 <p:sld xmlns:a="http://schemas.openxmlformats.org/drawingml/2006/main" xmlns:r="http://schemas.openxmlformats.org/officeDocument/2006/relationships" xmlns:p="http://schemas.openxmlformats.org/presentationml/2006/main">
   <p:cSld>
     <p:spTree>

--- a/trunk/Document/OMCS_Slide re-defend.pptx
+++ b/trunk/Document/OMCS_Slide re-defend.pptx
@@ -4,6 +4,9 @@
   <p:sldMasterIdLst>
     <p:sldMasterId id="2147483684" r:id="rId1"/>
   </p:sldMasterIdLst>
+  <p:notesMasterIdLst>
+    <p:notesMasterId r:id="rId13"/>
+  </p:notesMasterIdLst>
   <p:sldIdLst>
     <p:sldId id="256" r:id="rId2"/>
     <p:sldId id="257" r:id="rId3"/>
@@ -11,9 +14,11 @@
     <p:sldId id="259" r:id="rId5"/>
     <p:sldId id="265" r:id="rId6"/>
     <p:sldId id="267" r:id="rId7"/>
-    <p:sldId id="264" r:id="rId8"/>
-    <p:sldId id="266" r:id="rId9"/>
-    <p:sldId id="262" r:id="rId10"/>
+    <p:sldId id="268" r:id="rId8"/>
+    <p:sldId id="269" r:id="rId9"/>
+    <p:sldId id="264" r:id="rId10"/>
+    <p:sldId id="266" r:id="rId11"/>
+    <p:sldId id="262" r:id="rId12"/>
   </p:sldIdLst>
   <p:sldSz cx="9144000" cy="6858000" type="screen4x3"/>
   <p:notesSz cx="6858000" cy="9144000"/>
@@ -878,7 +883,7 @@
         <a:p>
           <a:r>
             <a:rPr lang="en-US" dirty="0" smtClean="0"/>
-            <a:t>Doctor view treatment history</a:t>
+            <a:t>Patient request consult using form</a:t>
           </a:r>
           <a:endParaRPr lang="en-US" dirty="0"/>
         </a:p>
@@ -915,7 +920,7 @@
         <a:p>
           <a:r>
             <a:rPr lang="en-US" dirty="0" smtClean="0"/>
-            <a:t>Doctor create new treatment</a:t>
+            <a:t>Doctor  view treatment history</a:t>
           </a:r>
           <a:endParaRPr lang="en-US" dirty="0"/>
         </a:p>
@@ -952,7 +957,7 @@
         <a:p>
           <a:r>
             <a:rPr lang="en-US" dirty="0" smtClean="0"/>
-            <a:t>Doctor capture webcam from patient</a:t>
+            <a:t>Doctor consult with patient</a:t>
           </a:r>
           <a:endParaRPr lang="en-US" dirty="0"/>
         </a:p>
@@ -970,6 +975,43 @@
       </dgm:t>
     </dgm:pt>
     <dgm:pt modelId="{445EAEDA-D026-4317-B29B-DE8DB243F558}" type="sibTrans" cxnId="{76534187-6453-497D-8BFC-B1DFBDF9A2AE}">
+      <dgm:prSet/>
+      <dgm:spPr/>
+      <dgm:t>
+        <a:bodyPr/>
+        <a:lstStyle/>
+        <a:p>
+          <a:endParaRPr lang="en-US"/>
+        </a:p>
+      </dgm:t>
+    </dgm:pt>
+    <dgm:pt modelId="{F80C26A0-1325-4952-B0A3-7BD97EF00660}">
+      <dgm:prSet phldrT="[Text]"/>
+      <dgm:spPr/>
+      <dgm:t>
+        <a:bodyPr/>
+        <a:lstStyle/>
+        <a:p>
+          <a:r>
+            <a:rPr lang="en-US" dirty="0" smtClean="0"/>
+            <a:t>Doctor create treatment</a:t>
+          </a:r>
+          <a:endParaRPr lang="en-US" dirty="0"/>
+        </a:p>
+      </dgm:t>
+    </dgm:pt>
+    <dgm:pt modelId="{F6048DA9-5718-4FE0-BFCF-8D877CFE1C68}" type="parTrans" cxnId="{98C9BC4B-2095-436C-9957-7B352586F2E2}">
+      <dgm:prSet/>
+      <dgm:spPr/>
+      <dgm:t>
+        <a:bodyPr/>
+        <a:lstStyle/>
+        <a:p>
+          <a:endParaRPr lang="en-US"/>
+        </a:p>
+      </dgm:t>
+    </dgm:pt>
+    <dgm:pt modelId="{E4A5678C-AD4D-416A-91B5-9DC3AF5F1BB1}" type="sibTrans" cxnId="{98C9BC4B-2095-436C-9957-7B352586F2E2}">
       <dgm:prSet/>
       <dgm:spPr/>
       <dgm:t>
@@ -998,7 +1040,7 @@
       <dgm:spPr/>
     </dgm:pt>
     <dgm:pt modelId="{334D8C23-B8CD-483B-9D9B-9B5B296BFED1}" type="pres">
-      <dgm:prSet presAssocID="{B584BC9B-9628-4C0C-9AF4-0EB30C983203}" presName="textNode" presStyleLbl="node1" presStyleIdx="0" presStyleCnt="3">
+      <dgm:prSet presAssocID="{B584BC9B-9628-4C0C-9AF4-0EB30C983203}" presName="textNode" presStyleLbl="node1" presStyleIdx="0" presStyleCnt="4">
         <dgm:presLayoutVars>
           <dgm:bulletEnabled val="1"/>
         </dgm:presLayoutVars>
@@ -1017,7 +1059,7 @@
       <dgm:spPr/>
     </dgm:pt>
     <dgm:pt modelId="{3BB38D9C-414A-4E63-AD2A-967627B7FAE0}" type="pres">
-      <dgm:prSet presAssocID="{6616C302-4FBB-4BEC-8B98-D62DB14D346D}" presName="textNode" presStyleLbl="node1" presStyleIdx="1" presStyleCnt="3">
+      <dgm:prSet presAssocID="{6616C302-4FBB-4BEC-8B98-D62DB14D346D}" presName="textNode" presStyleLbl="node1" presStyleIdx="1" presStyleCnt="4">
         <dgm:presLayoutVars>
           <dgm:bulletEnabled val="1"/>
         </dgm:presLayoutVars>
@@ -1036,7 +1078,26 @@
       <dgm:spPr/>
     </dgm:pt>
     <dgm:pt modelId="{2CC504BD-219C-45BB-A58F-EF48C5857137}" type="pres">
-      <dgm:prSet presAssocID="{73B7E5A5-8633-483C-A304-C9D61FCFF131}" presName="textNode" presStyleLbl="node1" presStyleIdx="2" presStyleCnt="3">
+      <dgm:prSet presAssocID="{73B7E5A5-8633-483C-A304-C9D61FCFF131}" presName="textNode" presStyleLbl="node1" presStyleIdx="2" presStyleCnt="4">
+        <dgm:presLayoutVars>
+          <dgm:bulletEnabled val="1"/>
+        </dgm:presLayoutVars>
+      </dgm:prSet>
+      <dgm:spPr/>
+      <dgm:t>
+        <a:bodyPr/>
+        <a:lstStyle/>
+        <a:p>
+          <a:endParaRPr lang="en-US"/>
+        </a:p>
+      </dgm:t>
+    </dgm:pt>
+    <dgm:pt modelId="{6D4445A3-410F-4077-8096-610A448C0997}" type="pres">
+      <dgm:prSet presAssocID="{445EAEDA-D026-4317-B29B-DE8DB243F558}" presName="sibTrans" presStyleCnt="0"/>
+      <dgm:spPr/>
+    </dgm:pt>
+    <dgm:pt modelId="{F5268FDB-DB5F-4F6A-97DC-59C8414A82F3}" type="pres">
+      <dgm:prSet presAssocID="{F80C26A0-1325-4952-B0A3-7BD97EF00660}" presName="textNode" presStyleLbl="node1" presStyleIdx="3" presStyleCnt="4">
         <dgm:presLayoutVars>
           <dgm:bulletEnabled val="1"/>
         </dgm:presLayoutVars>
@@ -1053,12 +1114,14 @@
   </dgm:ptLst>
   <dgm:cxnLst>
     <dgm:cxn modelId="{6A90AE59-754F-4BC5-8A82-7E347FC43AD1}" type="presOf" srcId="{73B7E5A5-8633-483C-A304-C9D61FCFF131}" destId="{2CC504BD-219C-45BB-A58F-EF48C5857137}" srcOrd="0" destOrd="0" presId="urn:microsoft.com/office/officeart/2005/8/layout/hProcess9"/>
+    <dgm:cxn modelId="{0249924D-F989-42EE-ABC9-93E80A49D0DB}" type="presOf" srcId="{74BEEABD-9DCC-4973-8B52-FF19697848C6}" destId="{9966B302-920A-4706-8176-04B8B16EA141}" srcOrd="0" destOrd="0" presId="urn:microsoft.com/office/officeart/2005/8/layout/hProcess9"/>
     <dgm:cxn modelId="{76534187-6453-497D-8BFC-B1DFBDF9A2AE}" srcId="{74BEEABD-9DCC-4973-8B52-FF19697848C6}" destId="{73B7E5A5-8633-483C-A304-C9D61FCFF131}" srcOrd="2" destOrd="0" parTransId="{54CC1E88-2C30-4D31-A170-88D174DB608E}" sibTransId="{445EAEDA-D026-4317-B29B-DE8DB243F558}"/>
-    <dgm:cxn modelId="{EF2421B5-98E4-4AFE-90A6-443063155088}" srcId="{74BEEABD-9DCC-4973-8B52-FF19697848C6}" destId="{B584BC9B-9628-4C0C-9AF4-0EB30C983203}" srcOrd="0" destOrd="0" parTransId="{BCE2EEAE-5774-4415-9E4B-87E792938C59}" sibTransId="{0F16D5C8-0520-4819-BC68-37E7418341E1}"/>
     <dgm:cxn modelId="{71E73619-355F-4451-9E77-0F0BD6F44838}" type="presOf" srcId="{B584BC9B-9628-4C0C-9AF4-0EB30C983203}" destId="{334D8C23-B8CD-483B-9D9B-9B5B296BFED1}" srcOrd="0" destOrd="0" presId="urn:microsoft.com/office/officeart/2005/8/layout/hProcess9"/>
     <dgm:cxn modelId="{34FCDB9D-C592-4051-BDAC-C6564B1F7C4C}" type="presOf" srcId="{6616C302-4FBB-4BEC-8B98-D62DB14D346D}" destId="{3BB38D9C-414A-4E63-AD2A-967627B7FAE0}" srcOrd="0" destOrd="0" presId="urn:microsoft.com/office/officeart/2005/8/layout/hProcess9"/>
-    <dgm:cxn modelId="{0249924D-F989-42EE-ABC9-93E80A49D0DB}" type="presOf" srcId="{74BEEABD-9DCC-4973-8B52-FF19697848C6}" destId="{9966B302-920A-4706-8176-04B8B16EA141}" srcOrd="0" destOrd="0" presId="urn:microsoft.com/office/officeart/2005/8/layout/hProcess9"/>
+    <dgm:cxn modelId="{2E875158-18DA-4DB1-9755-E07A3593E06B}" type="presOf" srcId="{F80C26A0-1325-4952-B0A3-7BD97EF00660}" destId="{F5268FDB-DB5F-4F6A-97DC-59C8414A82F3}" srcOrd="0" destOrd="0" presId="urn:microsoft.com/office/officeart/2005/8/layout/hProcess9"/>
     <dgm:cxn modelId="{3FC2C60C-ABCB-43E4-85F8-EF6E41171DBB}" srcId="{74BEEABD-9DCC-4973-8B52-FF19697848C6}" destId="{6616C302-4FBB-4BEC-8B98-D62DB14D346D}" srcOrd="1" destOrd="0" parTransId="{53F95CF8-0EAE-4421-8A5E-92CCE520DAF2}" sibTransId="{F349FE67-9ED9-494B-82F9-B3CA028936B2}"/>
+    <dgm:cxn modelId="{EF2421B5-98E4-4AFE-90A6-443063155088}" srcId="{74BEEABD-9DCC-4973-8B52-FF19697848C6}" destId="{B584BC9B-9628-4C0C-9AF4-0EB30C983203}" srcOrd="0" destOrd="0" parTransId="{BCE2EEAE-5774-4415-9E4B-87E792938C59}" sibTransId="{0F16D5C8-0520-4819-BC68-37E7418341E1}"/>
+    <dgm:cxn modelId="{98C9BC4B-2095-436C-9957-7B352586F2E2}" srcId="{74BEEABD-9DCC-4973-8B52-FF19697848C6}" destId="{F80C26A0-1325-4952-B0A3-7BD97EF00660}" srcOrd="3" destOrd="0" parTransId="{F6048DA9-5718-4FE0-BFCF-8D877CFE1C68}" sibTransId="{E4A5678C-AD4D-416A-91B5-9DC3AF5F1BB1}"/>
     <dgm:cxn modelId="{625689E5-6FB2-4213-8988-89B09C6A5750}" type="presParOf" srcId="{9966B302-920A-4706-8176-04B8B16EA141}" destId="{99862904-016F-48BE-8B21-79FA89EA9A62}" srcOrd="0" destOrd="0" presId="urn:microsoft.com/office/officeart/2005/8/layout/hProcess9"/>
     <dgm:cxn modelId="{22632DAF-6716-4472-8306-5778575B54F8}" type="presParOf" srcId="{9966B302-920A-4706-8176-04B8B16EA141}" destId="{29F07460-3AF5-4311-870D-0BB388363788}" srcOrd="1" destOrd="0" presId="urn:microsoft.com/office/officeart/2005/8/layout/hProcess9"/>
     <dgm:cxn modelId="{B2C36A37-C0B6-4BD6-84C7-2E4217DC0938}" type="presParOf" srcId="{29F07460-3AF5-4311-870D-0BB388363788}" destId="{334D8C23-B8CD-483B-9D9B-9B5B296BFED1}" srcOrd="0" destOrd="0" presId="urn:microsoft.com/office/officeart/2005/8/layout/hProcess9"/>
@@ -1066,6 +1129,8 @@
     <dgm:cxn modelId="{143B7799-4D3E-404A-A2C1-6CEEC4D124BC}" type="presParOf" srcId="{29F07460-3AF5-4311-870D-0BB388363788}" destId="{3BB38D9C-414A-4E63-AD2A-967627B7FAE0}" srcOrd="2" destOrd="0" presId="urn:microsoft.com/office/officeart/2005/8/layout/hProcess9"/>
     <dgm:cxn modelId="{05354191-393C-4146-BAFA-602E909E2A03}" type="presParOf" srcId="{29F07460-3AF5-4311-870D-0BB388363788}" destId="{70CB1C00-E660-42FD-96D9-CC0E94848B48}" srcOrd="3" destOrd="0" presId="urn:microsoft.com/office/officeart/2005/8/layout/hProcess9"/>
     <dgm:cxn modelId="{FFBF5719-B071-4575-9874-B745C266BC73}" type="presParOf" srcId="{29F07460-3AF5-4311-870D-0BB388363788}" destId="{2CC504BD-219C-45BB-A58F-EF48C5857137}" srcOrd="4" destOrd="0" presId="urn:microsoft.com/office/officeart/2005/8/layout/hProcess9"/>
+    <dgm:cxn modelId="{FA1644A6-C0C8-49A1-9F76-46BCF9EEE9B5}" type="presParOf" srcId="{29F07460-3AF5-4311-870D-0BB388363788}" destId="{6D4445A3-410F-4077-8096-610A448C0997}" srcOrd="5" destOrd="0" presId="urn:microsoft.com/office/officeart/2005/8/layout/hProcess9"/>
+    <dgm:cxn modelId="{23689B96-ACA3-4D42-AEBA-DED04E4BF5B7}" type="presParOf" srcId="{29F07460-3AF5-4311-870D-0BB388363788}" destId="{F5268FDB-DB5F-4F6A-97DC-59C8414A82F3}" srcOrd="6" destOrd="0" presId="urn:microsoft.com/office/officeart/2005/8/layout/hProcess9"/>
   </dgm:cxnLst>
   <dgm:bg/>
   <dgm:whole/>
@@ -1132,8 +1197,8 @@
       </dsp:nvSpPr>
       <dsp:spPr>
         <a:xfrm>
-          <a:off x="8840" y="1357788"/>
-          <a:ext cx="2648902" cy="1810384"/>
+          <a:off x="4118" y="1357788"/>
+          <a:ext cx="1981051" cy="1810384"/>
         </a:xfrm>
         <a:prstGeom prst="roundRect">
           <a:avLst/>
@@ -1174,12 +1239,12 @@
         </a:fontRef>
       </dsp:style>
       <dsp:txBody>
-        <a:bodyPr spcFirstLastPara="0" vert="horz" wrap="square" lIns="91440" tIns="91440" rIns="91440" bIns="91440" numCol="1" spcCol="1270" anchor="ctr" anchorCtr="0">
+        <a:bodyPr spcFirstLastPara="0" vert="horz" wrap="square" lIns="76200" tIns="76200" rIns="76200" bIns="76200" numCol="1" spcCol="1270" anchor="ctr" anchorCtr="0">
           <a:noAutofit/>
         </a:bodyPr>
         <a:lstStyle/>
         <a:p>
-          <a:pPr lvl="0" algn="ctr" defTabSz="1066800">
+          <a:pPr lvl="0" algn="ctr" defTabSz="889000">
             <a:lnSpc>
               <a:spcPct val="90000"/>
             </a:lnSpc>
@@ -1191,15 +1256,15 @@
             </a:spcAft>
           </a:pPr>
           <a:r>
-            <a:rPr lang="en-US" sz="2400" kern="1200" dirty="0" smtClean="0"/>
-            <a:t>Doctor view treatment history</a:t>
+            <a:rPr lang="en-US" sz="2000" kern="1200" dirty="0" smtClean="0"/>
+            <a:t>Patient request consult using form</a:t>
           </a:r>
-          <a:endParaRPr lang="en-US" sz="2400" kern="1200" dirty="0"/>
+          <a:endParaRPr lang="en-US" sz="2000" kern="1200" dirty="0"/>
         </a:p>
       </dsp:txBody>
       <dsp:txXfrm>
-        <a:off x="97216" y="1446164"/>
-        <a:ext cx="2472150" cy="1633632"/>
+        <a:off x="92494" y="1446164"/>
+        <a:ext cx="1804299" cy="1633632"/>
       </dsp:txXfrm>
     </dsp:sp>
     <dsp:sp modelId="{3BB38D9C-414A-4E63-AD2A-967627B7FAE0}">
@@ -1209,8 +1274,8 @@
       </dsp:nvSpPr>
       <dsp:spPr>
         <a:xfrm>
-          <a:off x="2790348" y="1357788"/>
-          <a:ext cx="2648902" cy="1810384"/>
+          <a:off x="2084222" y="1357788"/>
+          <a:ext cx="1981051" cy="1810384"/>
         </a:xfrm>
         <a:prstGeom prst="roundRect">
           <a:avLst/>
@@ -1251,12 +1316,12 @@
         </a:fontRef>
       </dsp:style>
       <dsp:txBody>
-        <a:bodyPr spcFirstLastPara="0" vert="horz" wrap="square" lIns="91440" tIns="91440" rIns="91440" bIns="91440" numCol="1" spcCol="1270" anchor="ctr" anchorCtr="0">
+        <a:bodyPr spcFirstLastPara="0" vert="horz" wrap="square" lIns="76200" tIns="76200" rIns="76200" bIns="76200" numCol="1" spcCol="1270" anchor="ctr" anchorCtr="0">
           <a:noAutofit/>
         </a:bodyPr>
         <a:lstStyle/>
         <a:p>
-          <a:pPr lvl="0" algn="ctr" defTabSz="1066800">
+          <a:pPr lvl="0" algn="ctr" defTabSz="889000">
             <a:lnSpc>
               <a:spcPct val="90000"/>
             </a:lnSpc>
@@ -1268,15 +1333,15 @@
             </a:spcAft>
           </a:pPr>
           <a:r>
-            <a:rPr lang="en-US" sz="2400" kern="1200" dirty="0" smtClean="0"/>
-            <a:t>Doctor create new treatment</a:t>
+            <a:rPr lang="en-US" sz="2000" kern="1200" dirty="0" smtClean="0"/>
+            <a:t>Doctor  view treatment history</a:t>
           </a:r>
-          <a:endParaRPr lang="en-US" sz="2400" kern="1200" dirty="0"/>
+          <a:endParaRPr lang="en-US" sz="2000" kern="1200" dirty="0"/>
         </a:p>
       </dsp:txBody>
       <dsp:txXfrm>
-        <a:off x="2878724" y="1446164"/>
-        <a:ext cx="2472150" cy="1633632"/>
+        <a:off x="2172598" y="1446164"/>
+        <a:ext cx="1804299" cy="1633632"/>
       </dsp:txXfrm>
     </dsp:sp>
     <dsp:sp modelId="{2CC504BD-219C-45BB-A58F-EF48C5857137}">
@@ -1286,8 +1351,8 @@
       </dsp:nvSpPr>
       <dsp:spPr>
         <a:xfrm>
-          <a:off x="5571857" y="1357788"/>
-          <a:ext cx="2648902" cy="1810384"/>
+          <a:off x="4164326" y="1357788"/>
+          <a:ext cx="1981051" cy="1810384"/>
         </a:xfrm>
         <a:prstGeom prst="roundRect">
           <a:avLst/>
@@ -1328,12 +1393,12 @@
         </a:fontRef>
       </dsp:style>
       <dsp:txBody>
-        <a:bodyPr spcFirstLastPara="0" vert="horz" wrap="square" lIns="91440" tIns="91440" rIns="91440" bIns="91440" numCol="1" spcCol="1270" anchor="ctr" anchorCtr="0">
+        <a:bodyPr spcFirstLastPara="0" vert="horz" wrap="square" lIns="76200" tIns="76200" rIns="76200" bIns="76200" numCol="1" spcCol="1270" anchor="ctr" anchorCtr="0">
           <a:noAutofit/>
         </a:bodyPr>
         <a:lstStyle/>
         <a:p>
-          <a:pPr lvl="0" algn="ctr" defTabSz="1066800">
+          <a:pPr lvl="0" algn="ctr" defTabSz="889000">
             <a:lnSpc>
               <a:spcPct val="90000"/>
             </a:lnSpc>
@@ -1345,15 +1410,92 @@
             </a:spcAft>
           </a:pPr>
           <a:r>
-            <a:rPr lang="en-US" sz="2400" kern="1200" dirty="0" smtClean="0"/>
-            <a:t>Doctor capture webcam from patient</a:t>
+            <a:rPr lang="en-US" sz="2000" kern="1200" dirty="0" smtClean="0"/>
+            <a:t>Doctor consult with patient</a:t>
           </a:r>
-          <a:endParaRPr lang="en-US" sz="2400" kern="1200" dirty="0"/>
+          <a:endParaRPr lang="en-US" sz="2000" kern="1200" dirty="0"/>
         </a:p>
       </dsp:txBody>
       <dsp:txXfrm>
-        <a:off x="5660233" y="1446164"/>
-        <a:ext cx="2472150" cy="1633632"/>
+        <a:off x="4252702" y="1446164"/>
+        <a:ext cx="1804299" cy="1633632"/>
+      </dsp:txXfrm>
+    </dsp:sp>
+    <dsp:sp modelId="{F5268FDB-DB5F-4F6A-97DC-59C8414A82F3}">
+      <dsp:nvSpPr>
+        <dsp:cNvPr id="0" name=""/>
+        <dsp:cNvSpPr/>
+      </dsp:nvSpPr>
+      <dsp:spPr>
+        <a:xfrm>
+          <a:off x="6244430" y="1357788"/>
+          <a:ext cx="1981051" cy="1810384"/>
+        </a:xfrm>
+        <a:prstGeom prst="roundRect">
+          <a:avLst/>
+        </a:prstGeom>
+        <a:solidFill>
+          <a:schemeClr val="accent1">
+            <a:hueOff val="0"/>
+            <a:satOff val="0"/>
+            <a:lumOff val="0"/>
+            <a:alphaOff val="0"/>
+          </a:schemeClr>
+        </a:solidFill>
+        <a:ln w="55000" cap="flat" cmpd="thickThin" algn="ctr">
+          <a:solidFill>
+            <a:schemeClr val="lt1">
+              <a:hueOff val="0"/>
+              <a:satOff val="0"/>
+              <a:lumOff val="0"/>
+              <a:alphaOff val="0"/>
+            </a:schemeClr>
+          </a:solidFill>
+          <a:prstDash val="solid"/>
+        </a:ln>
+        <a:effectLst/>
+      </dsp:spPr>
+      <dsp:style>
+        <a:lnRef idx="2">
+          <a:scrgbClr r="0" g="0" b="0"/>
+        </a:lnRef>
+        <a:fillRef idx="1">
+          <a:scrgbClr r="0" g="0" b="0"/>
+        </a:fillRef>
+        <a:effectRef idx="0">
+          <a:scrgbClr r="0" g="0" b="0"/>
+        </a:effectRef>
+        <a:fontRef idx="minor">
+          <a:schemeClr val="lt1"/>
+        </a:fontRef>
+      </dsp:style>
+      <dsp:txBody>
+        <a:bodyPr spcFirstLastPara="0" vert="horz" wrap="square" lIns="76200" tIns="76200" rIns="76200" bIns="76200" numCol="1" spcCol="1270" anchor="ctr" anchorCtr="0">
+          <a:noAutofit/>
+        </a:bodyPr>
+        <a:lstStyle/>
+        <a:p>
+          <a:pPr lvl="0" algn="ctr" defTabSz="889000">
+            <a:lnSpc>
+              <a:spcPct val="90000"/>
+            </a:lnSpc>
+            <a:spcBef>
+              <a:spcPct val="0"/>
+            </a:spcBef>
+            <a:spcAft>
+              <a:spcPct val="35000"/>
+            </a:spcAft>
+          </a:pPr>
+          <a:r>
+            <a:rPr lang="en-US" sz="2000" kern="1200" dirty="0" smtClean="0"/>
+            <a:t>Doctor create treatment</a:t>
+          </a:r>
+          <a:endParaRPr lang="en-US" sz="2000" kern="1200" dirty="0"/>
+        </a:p>
+      </dsp:txBody>
+      <dsp:txXfrm>
+        <a:off x="6332806" y="1446164"/>
+        <a:ext cx="1804299" cy="1633632"/>
       </dsp:txXfrm>
     </dsp:sp>
   </dsp:spTree>
@@ -2546,6 +2688,524 @@
     </dgm:style>
   </dgm:styleLbl>
 </dgm:styleDef>
+</file>
+
+<file path=ppt/notesMasters/notesMaster1.xml><?xml version="1.0" encoding="utf-8"?>
+<p:notesMaster xmlns:a="http://schemas.openxmlformats.org/drawingml/2006/main" xmlns:r="http://schemas.openxmlformats.org/officeDocument/2006/relationships" xmlns:p="http://schemas.openxmlformats.org/presentationml/2006/main">
+  <p:cSld>
+    <p:bg>
+      <p:bgRef idx="1001">
+        <a:schemeClr val="bg1"/>
+      </p:bgRef>
+    </p:bg>
+    <p:spTree>
+      <p:nvGrpSpPr>
+        <p:cNvPr id="1" name=""/>
+        <p:cNvGrpSpPr/>
+        <p:nvPr/>
+      </p:nvGrpSpPr>
+      <p:grpSpPr>
+        <a:xfrm>
+          <a:off x="0" y="0"/>
+          <a:ext cx="0" cy="0"/>
+          <a:chOff x="0" y="0"/>
+          <a:chExt cx="0" cy="0"/>
+        </a:xfrm>
+      </p:grpSpPr>
+      <p:sp>
+        <p:nvSpPr>
+          <p:cNvPr id="2" name="Header Placeholder 1"/>
+          <p:cNvSpPr>
+            <a:spLocks noGrp="1"/>
+          </p:cNvSpPr>
+          <p:nvPr>
+            <p:ph type="hdr" sz="quarter"/>
+          </p:nvPr>
+        </p:nvSpPr>
+        <p:spPr>
+          <a:xfrm>
+            <a:off x="0" y="0"/>
+            <a:ext cx="2971800" cy="457200"/>
+          </a:xfrm>
+          <a:prstGeom prst="rect">
+            <a:avLst/>
+          </a:prstGeom>
+        </p:spPr>
+        <p:txBody>
+          <a:bodyPr vert="horz" lIns="91440" tIns="45720" rIns="91440" bIns="45720" rtlCol="0"/>
+          <a:lstStyle>
+            <a:lvl1pPr algn="l">
+              <a:defRPr sz="1200"/>
+            </a:lvl1pPr>
+          </a:lstStyle>
+          <a:p>
+            <a:endParaRPr lang="en-US"/>
+          </a:p>
+        </p:txBody>
+      </p:sp>
+      <p:sp>
+        <p:nvSpPr>
+          <p:cNvPr id="3" name="Date Placeholder 2"/>
+          <p:cNvSpPr>
+            <a:spLocks noGrp="1"/>
+          </p:cNvSpPr>
+          <p:nvPr>
+            <p:ph type="dt" idx="1"/>
+          </p:nvPr>
+        </p:nvSpPr>
+        <p:spPr>
+          <a:xfrm>
+            <a:off x="3884613" y="0"/>
+            <a:ext cx="2971800" cy="457200"/>
+          </a:xfrm>
+          <a:prstGeom prst="rect">
+            <a:avLst/>
+          </a:prstGeom>
+        </p:spPr>
+        <p:txBody>
+          <a:bodyPr vert="horz" lIns="91440" tIns="45720" rIns="91440" bIns="45720" rtlCol="0"/>
+          <a:lstStyle>
+            <a:lvl1pPr algn="r">
+              <a:defRPr sz="1200"/>
+            </a:lvl1pPr>
+          </a:lstStyle>
+          <a:p>
+            <a:fld id="{9A5A7472-1FEB-44A7-8B52-FF622C95D4E2}" type="datetimeFigureOut">
+              <a:rPr lang="en-US" smtClean="0"/>
+              <a:t>10/2/2014</a:t>
+            </a:fld>
+            <a:endParaRPr lang="en-US"/>
+          </a:p>
+        </p:txBody>
+      </p:sp>
+      <p:sp>
+        <p:nvSpPr>
+          <p:cNvPr id="4" name="Slide Image Placeholder 3"/>
+          <p:cNvSpPr>
+            <a:spLocks noGrp="1" noRot="1" noChangeAspect="1"/>
+          </p:cNvSpPr>
+          <p:nvPr>
+            <p:ph type="sldImg" idx="2"/>
+          </p:nvPr>
+        </p:nvSpPr>
+        <p:spPr>
+          <a:xfrm>
+            <a:off x="1143000" y="685800"/>
+            <a:ext cx="4572000" cy="3429000"/>
+          </a:xfrm>
+          <a:prstGeom prst="rect">
+            <a:avLst/>
+          </a:prstGeom>
+          <a:noFill/>
+          <a:ln w="12700">
+            <a:solidFill>
+              <a:prstClr val="black"/>
+            </a:solidFill>
+          </a:ln>
+        </p:spPr>
+        <p:txBody>
+          <a:bodyPr vert="horz" lIns="91440" tIns="45720" rIns="91440" bIns="45720" rtlCol="0" anchor="ctr"/>
+          <a:lstStyle/>
+          <a:p>
+            <a:endParaRPr lang="en-US"/>
+          </a:p>
+        </p:txBody>
+      </p:sp>
+      <p:sp>
+        <p:nvSpPr>
+          <p:cNvPr id="5" name="Notes Placeholder 4"/>
+          <p:cNvSpPr>
+            <a:spLocks noGrp="1"/>
+          </p:cNvSpPr>
+          <p:nvPr>
+            <p:ph type="body" sz="quarter" idx="3"/>
+          </p:nvPr>
+        </p:nvSpPr>
+        <p:spPr>
+          <a:xfrm>
+            <a:off x="685800" y="4343400"/>
+            <a:ext cx="5486400" cy="4114800"/>
+          </a:xfrm>
+          <a:prstGeom prst="rect">
+            <a:avLst/>
+          </a:prstGeom>
+        </p:spPr>
+        <p:txBody>
+          <a:bodyPr vert="horz" lIns="91440" tIns="45720" rIns="91440" bIns="45720" rtlCol="0"/>
+          <a:lstStyle/>
+          <a:p>
+            <a:pPr lvl="0"/>
+            <a:r>
+              <a:rPr lang="en-US" smtClean="0"/>
+              <a:t>Click to edit Master text styles</a:t>
+            </a:r>
+          </a:p>
+          <a:p>
+            <a:pPr lvl="1"/>
+            <a:r>
+              <a:rPr lang="en-US" smtClean="0"/>
+              <a:t>Second level</a:t>
+            </a:r>
+          </a:p>
+          <a:p>
+            <a:pPr lvl="2"/>
+            <a:r>
+              <a:rPr lang="en-US" smtClean="0"/>
+              <a:t>Third level</a:t>
+            </a:r>
+          </a:p>
+          <a:p>
+            <a:pPr lvl="3"/>
+            <a:r>
+              <a:rPr lang="en-US" smtClean="0"/>
+              <a:t>Fourth level</a:t>
+            </a:r>
+          </a:p>
+          <a:p>
+            <a:pPr lvl="4"/>
+            <a:r>
+              <a:rPr lang="en-US" smtClean="0"/>
+              <a:t>Fifth level</a:t>
+            </a:r>
+            <a:endParaRPr lang="en-US"/>
+          </a:p>
+        </p:txBody>
+      </p:sp>
+      <p:sp>
+        <p:nvSpPr>
+          <p:cNvPr id="6" name="Footer Placeholder 5"/>
+          <p:cNvSpPr>
+            <a:spLocks noGrp="1"/>
+          </p:cNvSpPr>
+          <p:nvPr>
+            <p:ph type="ftr" sz="quarter" idx="4"/>
+          </p:nvPr>
+        </p:nvSpPr>
+        <p:spPr>
+          <a:xfrm>
+            <a:off x="0" y="8685213"/>
+            <a:ext cx="2971800" cy="457200"/>
+          </a:xfrm>
+          <a:prstGeom prst="rect">
+            <a:avLst/>
+          </a:prstGeom>
+        </p:spPr>
+        <p:txBody>
+          <a:bodyPr vert="horz" lIns="91440" tIns="45720" rIns="91440" bIns="45720" rtlCol="0" anchor="b"/>
+          <a:lstStyle>
+            <a:lvl1pPr algn="l">
+              <a:defRPr sz="1200"/>
+            </a:lvl1pPr>
+          </a:lstStyle>
+          <a:p>
+            <a:endParaRPr lang="en-US"/>
+          </a:p>
+        </p:txBody>
+      </p:sp>
+      <p:sp>
+        <p:nvSpPr>
+          <p:cNvPr id="7" name="Slide Number Placeholder 6"/>
+          <p:cNvSpPr>
+            <a:spLocks noGrp="1"/>
+          </p:cNvSpPr>
+          <p:nvPr>
+            <p:ph type="sldNum" sz="quarter" idx="5"/>
+          </p:nvPr>
+        </p:nvSpPr>
+        <p:spPr>
+          <a:xfrm>
+            <a:off x="3884613" y="8685213"/>
+            <a:ext cx="2971800" cy="457200"/>
+          </a:xfrm>
+          <a:prstGeom prst="rect">
+            <a:avLst/>
+          </a:prstGeom>
+        </p:spPr>
+        <p:txBody>
+          <a:bodyPr vert="horz" lIns="91440" tIns="45720" rIns="91440" bIns="45720" rtlCol="0" anchor="b"/>
+          <a:lstStyle>
+            <a:lvl1pPr algn="r">
+              <a:defRPr sz="1200"/>
+            </a:lvl1pPr>
+          </a:lstStyle>
+          <a:p>
+            <a:fld id="{C6069652-3432-4E73-9FF9-825DEC44F3E4}" type="slidenum">
+              <a:rPr lang="en-US" smtClean="0"/>
+              <a:t>‹#›</a:t>
+            </a:fld>
+            <a:endParaRPr lang="en-US"/>
+          </a:p>
+        </p:txBody>
+      </p:sp>
+    </p:spTree>
+    <p:extLst>
+      <p:ext uri="{BB962C8B-B14F-4D97-AF65-F5344CB8AC3E}">
+        <p14:creationId xmlns:p14="http://schemas.microsoft.com/office/powerpoint/2010/main" val="483164910"/>
+      </p:ext>
+    </p:extLst>
+  </p:cSld>
+  <p:clrMap bg1="lt1" tx1="dk1" bg2="lt2" tx2="dk2" accent1="accent1" accent2="accent2" accent3="accent3" accent4="accent4" accent5="accent5" accent6="accent6" hlink="hlink" folHlink="folHlink"/>
+  <p:notesStyle>
+    <a:lvl1pPr marL="0" algn="l" defTabSz="914400" rtl="0" eaLnBrk="1" latinLnBrk="0" hangingPunct="1">
+      <a:defRPr sz="1200" kern="1200">
+        <a:solidFill>
+          <a:schemeClr val="tx1"/>
+        </a:solidFill>
+        <a:latin typeface="+mn-lt"/>
+        <a:ea typeface="+mn-ea"/>
+        <a:cs typeface="+mn-cs"/>
+      </a:defRPr>
+    </a:lvl1pPr>
+    <a:lvl2pPr marL="457200" algn="l" defTabSz="914400" rtl="0" eaLnBrk="1" latinLnBrk="0" hangingPunct="1">
+      <a:defRPr sz="1200" kern="1200">
+        <a:solidFill>
+          <a:schemeClr val="tx1"/>
+        </a:solidFill>
+        <a:latin typeface="+mn-lt"/>
+        <a:ea typeface="+mn-ea"/>
+        <a:cs typeface="+mn-cs"/>
+      </a:defRPr>
+    </a:lvl2pPr>
+    <a:lvl3pPr marL="914400" algn="l" defTabSz="914400" rtl="0" eaLnBrk="1" latinLnBrk="0" hangingPunct="1">
+      <a:defRPr sz="1200" kern="1200">
+        <a:solidFill>
+          <a:schemeClr val="tx1"/>
+        </a:solidFill>
+        <a:latin typeface="+mn-lt"/>
+        <a:ea typeface="+mn-ea"/>
+        <a:cs typeface="+mn-cs"/>
+      </a:defRPr>
+    </a:lvl3pPr>
+    <a:lvl4pPr marL="1371600" algn="l" defTabSz="914400" rtl="0" eaLnBrk="1" latinLnBrk="0" hangingPunct="1">
+      <a:defRPr sz="1200" kern="1200">
+        <a:solidFill>
+          <a:schemeClr val="tx1"/>
+        </a:solidFill>
+        <a:latin typeface="+mn-lt"/>
+        <a:ea typeface="+mn-ea"/>
+        <a:cs typeface="+mn-cs"/>
+      </a:defRPr>
+    </a:lvl4pPr>
+    <a:lvl5pPr marL="1828800" algn="l" defTabSz="914400" rtl="0" eaLnBrk="1" latinLnBrk="0" hangingPunct="1">
+      <a:defRPr sz="1200" kern="1200">
+        <a:solidFill>
+          <a:schemeClr val="tx1"/>
+        </a:solidFill>
+        <a:latin typeface="+mn-lt"/>
+        <a:ea typeface="+mn-ea"/>
+        <a:cs typeface="+mn-cs"/>
+      </a:defRPr>
+    </a:lvl5pPr>
+    <a:lvl6pPr marL="2286000" algn="l" defTabSz="914400" rtl="0" eaLnBrk="1" latinLnBrk="0" hangingPunct="1">
+      <a:defRPr sz="1200" kern="1200">
+        <a:solidFill>
+          <a:schemeClr val="tx1"/>
+        </a:solidFill>
+        <a:latin typeface="+mn-lt"/>
+        <a:ea typeface="+mn-ea"/>
+        <a:cs typeface="+mn-cs"/>
+      </a:defRPr>
+    </a:lvl6pPr>
+    <a:lvl7pPr marL="2743200" algn="l" defTabSz="914400" rtl="0" eaLnBrk="1" latinLnBrk="0" hangingPunct="1">
+      <a:defRPr sz="1200" kern="1200">
+        <a:solidFill>
+          <a:schemeClr val="tx1"/>
+        </a:solidFill>
+        <a:latin typeface="+mn-lt"/>
+        <a:ea typeface="+mn-ea"/>
+        <a:cs typeface="+mn-cs"/>
+      </a:defRPr>
+    </a:lvl7pPr>
+    <a:lvl8pPr marL="3200400" algn="l" defTabSz="914400" rtl="0" eaLnBrk="1" latinLnBrk="0" hangingPunct="1">
+      <a:defRPr sz="1200" kern="1200">
+        <a:solidFill>
+          <a:schemeClr val="tx1"/>
+        </a:solidFill>
+        <a:latin typeface="+mn-lt"/>
+        <a:ea typeface="+mn-ea"/>
+        <a:cs typeface="+mn-cs"/>
+      </a:defRPr>
+    </a:lvl8pPr>
+    <a:lvl9pPr marL="3657600" algn="l" defTabSz="914400" rtl="0" eaLnBrk="1" latinLnBrk="0" hangingPunct="1">
+      <a:defRPr sz="1200" kern="1200">
+        <a:solidFill>
+          <a:schemeClr val="tx1"/>
+        </a:solidFill>
+        <a:latin typeface="+mn-lt"/>
+        <a:ea typeface="+mn-ea"/>
+        <a:cs typeface="+mn-cs"/>
+      </a:defRPr>
+    </a:lvl9pPr>
+  </p:notesStyle>
+</p:notesMaster>
+</file>
+
+<file path=ppt/notesSlides/notesSlide1.xml><?xml version="1.0" encoding="utf-8"?>
+<p:notes xmlns:a="http://schemas.openxmlformats.org/drawingml/2006/main" xmlns:r="http://schemas.openxmlformats.org/officeDocument/2006/relationships" xmlns:p="http://schemas.openxmlformats.org/presentationml/2006/main">
+  <p:cSld>
+    <p:spTree>
+      <p:nvGrpSpPr>
+        <p:cNvPr id="1" name=""/>
+        <p:cNvGrpSpPr/>
+        <p:nvPr/>
+      </p:nvGrpSpPr>
+      <p:grpSpPr>
+        <a:xfrm>
+          <a:off x="0" y="0"/>
+          <a:ext cx="0" cy="0"/>
+          <a:chOff x="0" y="0"/>
+          <a:chExt cx="0" cy="0"/>
+        </a:xfrm>
+      </p:grpSpPr>
+      <p:sp>
+        <p:nvSpPr>
+          <p:cNvPr id="2" name="Slide Image Placeholder 1"/>
+          <p:cNvSpPr>
+            <a:spLocks noGrp="1" noRot="1" noChangeAspect="1"/>
+          </p:cNvSpPr>
+          <p:nvPr>
+            <p:ph type="sldImg"/>
+          </p:nvPr>
+        </p:nvSpPr>
+        <p:spPr/>
+      </p:sp>
+      <p:sp>
+        <p:nvSpPr>
+          <p:cNvPr id="3" name="Notes Placeholder 2"/>
+          <p:cNvSpPr>
+            <a:spLocks noGrp="1"/>
+          </p:cNvSpPr>
+          <p:nvPr>
+            <p:ph type="body" idx="1"/>
+          </p:nvPr>
+        </p:nvSpPr>
+        <p:spPr/>
+        <p:txBody>
+          <a:bodyPr/>
+          <a:lstStyle/>
+          <a:p>
+            <a:endParaRPr lang="en-US" dirty="0"/>
+          </a:p>
+        </p:txBody>
+      </p:sp>
+      <p:sp>
+        <p:nvSpPr>
+          <p:cNvPr id="4" name="Slide Number Placeholder 3"/>
+          <p:cNvSpPr>
+            <a:spLocks noGrp="1"/>
+          </p:cNvSpPr>
+          <p:nvPr>
+            <p:ph type="sldNum" sz="quarter" idx="10"/>
+          </p:nvPr>
+        </p:nvSpPr>
+        <p:spPr/>
+        <p:txBody>
+          <a:bodyPr/>
+          <a:lstStyle/>
+          <a:p>
+            <a:fld id="{C6069652-3432-4E73-9FF9-825DEC44F3E4}" type="slidenum">
+              <a:rPr lang="en-US" smtClean="0"/>
+              <a:t>7</a:t>
+            </a:fld>
+            <a:endParaRPr lang="en-US"/>
+          </a:p>
+        </p:txBody>
+      </p:sp>
+    </p:spTree>
+    <p:extLst>
+      <p:ext uri="{BB962C8B-B14F-4D97-AF65-F5344CB8AC3E}">
+        <p14:creationId xmlns:p14="http://schemas.microsoft.com/office/powerpoint/2010/main" val="895519864"/>
+      </p:ext>
+    </p:extLst>
+  </p:cSld>
+  <p:clrMapOvr>
+    <a:masterClrMapping/>
+  </p:clrMapOvr>
+</p:notes>
+</file>
+
+<file path=ppt/notesSlides/notesSlide2.xml><?xml version="1.0" encoding="utf-8"?>
+<p:notes xmlns:a="http://schemas.openxmlformats.org/drawingml/2006/main" xmlns:r="http://schemas.openxmlformats.org/officeDocument/2006/relationships" xmlns:p="http://schemas.openxmlformats.org/presentationml/2006/main">
+  <p:cSld>
+    <p:spTree>
+      <p:nvGrpSpPr>
+        <p:cNvPr id="1" name=""/>
+        <p:cNvGrpSpPr/>
+        <p:nvPr/>
+      </p:nvGrpSpPr>
+      <p:grpSpPr>
+        <a:xfrm>
+          <a:off x="0" y="0"/>
+          <a:ext cx="0" cy="0"/>
+          <a:chOff x="0" y="0"/>
+          <a:chExt cx="0" cy="0"/>
+        </a:xfrm>
+      </p:grpSpPr>
+      <p:sp>
+        <p:nvSpPr>
+          <p:cNvPr id="2" name="Slide Image Placeholder 1"/>
+          <p:cNvSpPr>
+            <a:spLocks noGrp="1" noRot="1" noChangeAspect="1"/>
+          </p:cNvSpPr>
+          <p:nvPr>
+            <p:ph type="sldImg"/>
+          </p:nvPr>
+        </p:nvSpPr>
+        <p:spPr/>
+      </p:sp>
+      <p:sp>
+        <p:nvSpPr>
+          <p:cNvPr id="3" name="Notes Placeholder 2"/>
+          <p:cNvSpPr>
+            <a:spLocks noGrp="1"/>
+          </p:cNvSpPr>
+          <p:nvPr>
+            <p:ph type="body" idx="1"/>
+          </p:nvPr>
+        </p:nvSpPr>
+        <p:spPr/>
+        <p:txBody>
+          <a:bodyPr/>
+          <a:lstStyle/>
+          <a:p>
+            <a:endParaRPr lang="en-US" dirty="0"/>
+          </a:p>
+        </p:txBody>
+      </p:sp>
+      <p:sp>
+        <p:nvSpPr>
+          <p:cNvPr id="4" name="Slide Number Placeholder 3"/>
+          <p:cNvSpPr>
+            <a:spLocks noGrp="1"/>
+          </p:cNvSpPr>
+          <p:nvPr>
+            <p:ph type="sldNum" sz="quarter" idx="10"/>
+          </p:nvPr>
+        </p:nvSpPr>
+        <p:spPr/>
+        <p:txBody>
+          <a:bodyPr/>
+          <a:lstStyle/>
+          <a:p>
+            <a:fld id="{C6069652-3432-4E73-9FF9-825DEC44F3E4}" type="slidenum">
+              <a:rPr lang="en-US" smtClean="0"/>
+              <a:t>8</a:t>
+            </a:fld>
+            <a:endParaRPr lang="en-US"/>
+          </a:p>
+        </p:txBody>
+      </p:sp>
+    </p:spTree>
+    <p:extLst>
+      <p:ext uri="{BB962C8B-B14F-4D97-AF65-F5344CB8AC3E}">
+        <p14:creationId xmlns:p14="http://schemas.microsoft.com/office/powerpoint/2010/main" val="895519864"/>
+      </p:ext>
+    </p:extLst>
+  </p:cSld>
+  <p:clrMapOvr>
+    <a:masterClrMapping/>
+  </p:clrMapOvr>
+</p:notes>
 </file>
 
 <file path=ppt/slideLayouts/slideLayout1.xml><?xml version="1.0" encoding="utf-8"?>
@@ -7274,6 +7934,181 @@
 </p:sld>
 </file>
 
+<file path=ppt/slides/slide10.xml><?xml version="1.0" encoding="utf-8"?>
+<p:sld xmlns:a="http://schemas.openxmlformats.org/drawingml/2006/main" xmlns:r="http://schemas.openxmlformats.org/officeDocument/2006/relationships" xmlns:p="http://schemas.openxmlformats.org/presentationml/2006/main">
+  <p:cSld>
+    <p:spTree>
+      <p:nvGrpSpPr>
+        <p:cNvPr id="1" name=""/>
+        <p:cNvGrpSpPr/>
+        <p:nvPr/>
+      </p:nvGrpSpPr>
+      <p:grpSpPr>
+        <a:xfrm>
+          <a:off x="0" y="0"/>
+          <a:ext cx="0" cy="0"/>
+          <a:chOff x="0" y="0"/>
+          <a:chExt cx="0" cy="0"/>
+        </a:xfrm>
+      </p:grpSpPr>
+      <p:sp>
+        <p:nvSpPr>
+          <p:cNvPr id="2" name="Title 1"/>
+          <p:cNvSpPr>
+            <a:spLocks noGrp="1"/>
+          </p:cNvSpPr>
+          <p:nvPr>
+            <p:ph type="title"/>
+          </p:nvPr>
+        </p:nvSpPr>
+        <p:spPr/>
+        <p:txBody>
+          <a:bodyPr/>
+          <a:lstStyle/>
+          <a:p>
+            <a:r>
+              <a:rPr lang="en-US" dirty="0" smtClean="0"/>
+              <a:t>Capture webcam</a:t>
+            </a:r>
+            <a:endParaRPr lang="en-US" dirty="0"/>
+          </a:p>
+        </p:txBody>
+      </p:sp>
+      <p:pic>
+        <p:nvPicPr>
+          <p:cNvPr id="5" name="Picture 4" descr="E:\online-medical-consultant-system\Document\Report\Diagram\ERD\Capture webcam.png"/>
+          <p:cNvPicPr/>
+          <p:nvPr/>
+        </p:nvPicPr>
+        <p:blipFill>
+          <a:blip r:embed="rId2">
+            <a:extLst>
+              <a:ext uri="{28A0092B-C50C-407E-A947-70E740481C1C}">
+                <a14:useLocalDpi xmlns:a14="http://schemas.microsoft.com/office/drawing/2010/main" val="0"/>
+              </a:ext>
+            </a:extLst>
+          </a:blip>
+          <a:srcRect/>
+          <a:stretch>
+            <a:fillRect/>
+          </a:stretch>
+        </p:blipFill>
+        <p:spPr bwMode="auto">
+          <a:xfrm>
+            <a:off x="1143000" y="1219200"/>
+            <a:ext cx="6389370" cy="5356860"/>
+          </a:xfrm>
+          <a:prstGeom prst="rect">
+            <a:avLst/>
+          </a:prstGeom>
+          <a:noFill/>
+          <a:ln>
+            <a:noFill/>
+          </a:ln>
+        </p:spPr>
+      </p:pic>
+    </p:spTree>
+    <p:extLst>
+      <p:ext uri="{BB962C8B-B14F-4D97-AF65-F5344CB8AC3E}">
+        <p14:creationId xmlns:p14="http://schemas.microsoft.com/office/powerpoint/2010/main" val="1205084367"/>
+      </p:ext>
+    </p:extLst>
+  </p:cSld>
+  <p:clrMapOvr>
+    <a:masterClrMapping/>
+  </p:clrMapOvr>
+  <p:timing>
+    <p:tnLst>
+      <p:par>
+        <p:cTn id="1" dur="indefinite" restart="never" nodeType="tmRoot"/>
+      </p:par>
+    </p:tnLst>
+  </p:timing>
+</p:sld>
+</file>
+
+<file path=ppt/slides/slide11.xml><?xml version="1.0" encoding="utf-8"?>
+<p:sld xmlns:a="http://schemas.openxmlformats.org/drawingml/2006/main" xmlns:r="http://schemas.openxmlformats.org/officeDocument/2006/relationships" xmlns:p="http://schemas.openxmlformats.org/presentationml/2006/main">
+  <p:cSld>
+    <p:spTree>
+      <p:nvGrpSpPr>
+        <p:cNvPr id="1" name=""/>
+        <p:cNvGrpSpPr/>
+        <p:nvPr/>
+      </p:nvGrpSpPr>
+      <p:grpSpPr>
+        <a:xfrm>
+          <a:off x="0" y="0"/>
+          <a:ext cx="0" cy="0"/>
+          <a:chOff x="0" y="0"/>
+          <a:chExt cx="0" cy="0"/>
+        </a:xfrm>
+      </p:grpSpPr>
+      <p:sp>
+        <p:nvSpPr>
+          <p:cNvPr id="3" name="Content Placeholder 2"/>
+          <p:cNvSpPr>
+            <a:spLocks noGrp="1"/>
+          </p:cNvSpPr>
+          <p:nvPr>
+            <p:ph idx="1"/>
+          </p:nvPr>
+        </p:nvSpPr>
+        <p:spPr/>
+        <p:txBody>
+          <a:bodyPr>
+            <a:normAutofit/>
+          </a:bodyPr>
+          <a:lstStyle/>
+          <a:p>
+            <a:pPr lvl="0"/>
+            <a:endParaRPr lang="en-US" sz="3200" dirty="0" smtClean="0"/>
+          </a:p>
+        </p:txBody>
+      </p:sp>
+      <p:sp>
+        <p:nvSpPr>
+          <p:cNvPr id="2" name="Title 1"/>
+          <p:cNvSpPr>
+            <a:spLocks noGrp="1"/>
+          </p:cNvSpPr>
+          <p:nvPr>
+            <p:ph type="title"/>
+          </p:nvPr>
+        </p:nvSpPr>
+        <p:spPr/>
+        <p:txBody>
+          <a:bodyPr/>
+          <a:lstStyle/>
+          <a:p>
+            <a:r>
+              <a:rPr lang="en-US" dirty="0" smtClean="0"/>
+              <a:t>Q&amp;A</a:t>
+            </a:r>
+            <a:endParaRPr lang="en-US" dirty="0"/>
+          </a:p>
+        </p:txBody>
+      </p:sp>
+    </p:spTree>
+    <p:extLst>
+      <p:ext uri="{BB962C8B-B14F-4D97-AF65-F5344CB8AC3E}">
+        <p14:creationId xmlns:p14="http://schemas.microsoft.com/office/powerpoint/2010/main" val="2252970761"/>
+      </p:ext>
+    </p:extLst>
+  </p:cSld>
+  <p:clrMapOvr>
+    <a:masterClrMapping/>
+  </p:clrMapOvr>
+  <p:timing>
+    <p:tnLst>
+      <p:par>
+        <p:cTn id="1" dur="indefinite" restart="never" nodeType="tmRoot"/>
+      </p:par>
+    </p:tnLst>
+  </p:timing>
+</p:sld>
+</file>
+
 <file path=ppt/slides/slide2.xml><?xml version="1.0" encoding="utf-8"?>
 <p:sld xmlns:a="http://schemas.openxmlformats.org/drawingml/2006/main" xmlns:r="http://schemas.openxmlformats.org/officeDocument/2006/relationships" xmlns:p="http://schemas.openxmlformats.org/presentationml/2006/main">
   <p:cSld>
@@ -8429,7 +9264,6 @@
               <a:rPr lang="en-US" dirty="0" smtClean="0"/>
               <a:t>Request consult using form</a:t>
             </a:r>
-            <a:endParaRPr lang="en-US" dirty="0" smtClean="0"/>
           </a:p>
         </p:txBody>
       </p:sp>
@@ -8473,7 +9307,6 @@
               <a:rPr lang="en-US" dirty="0" smtClean="0"/>
               <a:t>View position in waiting list</a:t>
             </a:r>
-            <a:endParaRPr lang="en-US" dirty="0" smtClean="0"/>
           </a:p>
         </p:txBody>
       </p:sp>
@@ -8586,31 +9419,6 @@
           <a:chExt cx="0" cy="0"/>
         </a:xfrm>
       </p:grpSpPr>
-      <p:graphicFrame>
-        <p:nvGraphicFramePr>
-          <p:cNvPr id="4" name="Content Placeholder 3"/>
-          <p:cNvGraphicFramePr>
-            <a:graphicFrameLocks noGrp="1"/>
-          </p:cNvGraphicFramePr>
-          <p:nvPr>
-            <p:ph idx="1"/>
-            <p:extLst>
-              <p:ext uri="{D42A27DB-BD31-4B8C-83A1-F6EECF244321}">
-                <p14:modId xmlns:p14="http://schemas.microsoft.com/office/powerpoint/2010/main" val="3864182863"/>
-              </p:ext>
-            </p:extLst>
-          </p:nvPr>
-        </p:nvGraphicFramePr>
-        <p:xfrm>
-          <a:off x="457200" y="1481138"/>
-          <a:ext cx="8229600" cy="4525962"/>
-        </p:xfrm>
-        <a:graphic>
-          <a:graphicData uri="http://schemas.openxmlformats.org/drawingml/2006/diagram">
-            <dgm:relIds xmlns:dgm="http://schemas.openxmlformats.org/drawingml/2006/diagram" xmlns:r="http://schemas.openxmlformats.org/officeDocument/2006/relationships" r:dm="rId2" r:lo="rId3" r:qs="rId4" r:cs="rId5"/>
-          </a:graphicData>
-        </a:graphic>
-      </p:graphicFrame>
       <p:sp>
         <p:nvSpPr>
           <p:cNvPr id="2" name="Title 1"/>
@@ -8630,16 +9438,328 @@
           <a:p>
             <a:r>
               <a:rPr lang="en-US" dirty="0" smtClean="0"/>
-              <a:t>Demo</a:t>
+              <a:t>Scenario</a:t>
             </a:r>
             <a:endParaRPr lang="en-US" dirty="0"/>
+          </a:p>
+        </p:txBody>
+      </p:sp>
+      <p:pic>
+        <p:nvPicPr>
+          <p:cNvPr id="5" name="Picture 2" descr="C:\Users\danhtc\Desktop\People-Patient-Male-icon.png"/>
+          <p:cNvPicPr>
+            <a:picLocks noChangeAspect="1" noChangeArrowheads="1"/>
+          </p:cNvPicPr>
+          <p:nvPr/>
+        </p:nvPicPr>
+        <p:blipFill>
+          <a:blip r:embed="rId3">
+            <a:extLst>
+              <a:ext uri="{28A0092B-C50C-407E-A947-70E740481C1C}">
+                <a14:useLocalDpi xmlns:a14="http://schemas.microsoft.com/office/drawing/2010/main" val="0"/>
+              </a:ext>
+            </a:extLst>
+          </a:blip>
+          <a:srcRect/>
+          <a:stretch>
+            <a:fillRect/>
+          </a:stretch>
+        </p:blipFill>
+        <p:spPr bwMode="auto">
+          <a:xfrm>
+            <a:off x="739921" y="1458232"/>
+            <a:ext cx="1905000" cy="1905000"/>
+          </a:xfrm>
+          <a:prstGeom prst="rect">
+            <a:avLst/>
+          </a:prstGeom>
+          <a:noFill/>
+          <a:extLst>
+            <a:ext uri="{909E8E84-426E-40DD-AFC4-6F175D3DCCD1}">
+              <a14:hiddenFill xmlns:a14="http://schemas.microsoft.com/office/drawing/2010/main">
+                <a:solidFill>
+                  <a:srgbClr val="FFFFFF"/>
+                </a:solidFill>
+              </a14:hiddenFill>
+            </a:ext>
+          </a:extLst>
+        </p:spPr>
+      </p:pic>
+      <p:sp>
+        <p:nvSpPr>
+          <p:cNvPr id="6" name="TextBox 5"/>
+          <p:cNvSpPr txBox="1"/>
+          <p:nvPr/>
+        </p:nvSpPr>
+        <p:spPr>
+          <a:xfrm>
+            <a:off x="1019937" y="3440668"/>
+            <a:ext cx="1128835" cy="400110"/>
+          </a:xfrm>
+          <a:prstGeom prst="rect">
+            <a:avLst/>
+          </a:prstGeom>
+          <a:noFill/>
+        </p:spPr>
+        <p:txBody>
+          <a:bodyPr wrap="none" rtlCol="0">
+            <a:spAutoFit/>
+          </a:bodyPr>
+          <a:lstStyle/>
+          <a:p>
+            <a:r>
+              <a:rPr lang="en-US" sz="2000" dirty="0" smtClean="0"/>
+              <a:t>Su Tran</a:t>
+            </a:r>
+            <a:endParaRPr lang="en-US" sz="2000" dirty="0"/>
+          </a:p>
+        </p:txBody>
+      </p:sp>
+      <p:sp>
+        <p:nvSpPr>
+          <p:cNvPr id="7" name="TextBox 6"/>
+          <p:cNvSpPr txBox="1"/>
+          <p:nvPr/>
+        </p:nvSpPr>
+        <p:spPr>
+          <a:xfrm>
+            <a:off x="3106057" y="2057400"/>
+            <a:ext cx="2132315" cy="707886"/>
+          </a:xfrm>
+          <a:prstGeom prst="rect">
+            <a:avLst/>
+          </a:prstGeom>
+          <a:noFill/>
+        </p:spPr>
+        <p:txBody>
+          <a:bodyPr wrap="none" rtlCol="0">
+            <a:spAutoFit/>
+          </a:bodyPr>
+          <a:lstStyle/>
+          <a:p>
+            <a:r>
+              <a:rPr lang="en-US" sz="2000" dirty="0" smtClean="0"/>
+              <a:t>Hospitalized on</a:t>
+            </a:r>
+            <a:endParaRPr lang="en-US" sz="2000" dirty="0"/>
+          </a:p>
+          <a:p>
+            <a:r>
+              <a:rPr lang="en-US" sz="2000" dirty="0" smtClean="0"/>
+              <a:t>01/08/2014</a:t>
+            </a:r>
+            <a:endParaRPr lang="en-US" sz="2000" dirty="0"/>
+          </a:p>
+        </p:txBody>
+      </p:sp>
+      <p:pic>
+        <p:nvPicPr>
+          <p:cNvPr id="1026" name="Picture 2" descr="http://www.blog.gurukpo.com/wp-content/uploads/2014/03/hospital.gif"/>
+          <p:cNvPicPr>
+            <a:picLocks noChangeAspect="1" noChangeArrowheads="1"/>
+          </p:cNvPicPr>
+          <p:nvPr/>
+        </p:nvPicPr>
+        <p:blipFill>
+          <a:blip r:embed="rId4">
+            <a:extLst>
+              <a:ext uri="{28A0092B-C50C-407E-A947-70E740481C1C}">
+                <a14:useLocalDpi xmlns:a14="http://schemas.microsoft.com/office/drawing/2010/main" val="0"/>
+              </a:ext>
+            </a:extLst>
+          </a:blip>
+          <a:srcRect/>
+          <a:stretch>
+            <a:fillRect/>
+          </a:stretch>
+        </p:blipFill>
+        <p:spPr bwMode="auto">
+          <a:xfrm>
+            <a:off x="5562600" y="1353457"/>
+            <a:ext cx="2819400" cy="2114550"/>
+          </a:xfrm>
+          <a:prstGeom prst="rect">
+            <a:avLst/>
+          </a:prstGeom>
+          <a:noFill/>
+          <a:extLst>
+            <a:ext uri="{909E8E84-426E-40DD-AFC4-6F175D3DCCD1}">
+              <a14:hiddenFill xmlns:a14="http://schemas.microsoft.com/office/drawing/2010/main">
+                <a:solidFill>
+                  <a:srgbClr val="FFFFFF"/>
+                </a:solidFill>
+              </a14:hiddenFill>
+            </a:ext>
+          </a:extLst>
+        </p:spPr>
+      </p:pic>
+      <p:cxnSp>
+        <p:nvCxnSpPr>
+          <p:cNvPr id="11" name="Straight Arrow Connector 10"/>
+          <p:cNvCxnSpPr>
+            <a:stCxn id="5" idx="3"/>
+            <a:endCxn id="1026" idx="1"/>
+          </p:cNvCxnSpPr>
+          <p:nvPr/>
+        </p:nvCxnSpPr>
+        <p:spPr>
+          <a:xfrm>
+            <a:off x="2644921" y="2410732"/>
+            <a:ext cx="2917679" cy="0"/>
+          </a:xfrm>
+          <a:prstGeom prst="straightConnector1">
+            <a:avLst/>
+          </a:prstGeom>
+          <a:ln>
+            <a:tailEnd type="arrow"/>
+          </a:ln>
+        </p:spPr>
+        <p:style>
+          <a:lnRef idx="1">
+            <a:schemeClr val="accent1"/>
+          </a:lnRef>
+          <a:fillRef idx="0">
+            <a:schemeClr val="accent1"/>
+          </a:fillRef>
+          <a:effectRef idx="0">
+            <a:schemeClr val="accent1"/>
+          </a:effectRef>
+          <a:fontRef idx="minor">
+            <a:schemeClr val="tx1"/>
+          </a:fontRef>
+        </p:style>
+      </p:cxnSp>
+      <p:sp>
+        <p:nvSpPr>
+          <p:cNvPr id="13" name="TextBox 12"/>
+          <p:cNvSpPr txBox="1"/>
+          <p:nvPr/>
+        </p:nvSpPr>
+        <p:spPr>
+          <a:xfrm>
+            <a:off x="5612793" y="5314890"/>
+            <a:ext cx="2719014" cy="400110"/>
+          </a:xfrm>
+          <a:prstGeom prst="rect">
+            <a:avLst/>
+          </a:prstGeom>
+          <a:noFill/>
+        </p:spPr>
+        <p:txBody>
+          <a:bodyPr wrap="none" rtlCol="0">
+            <a:spAutoFit/>
+          </a:bodyPr>
+          <a:lstStyle/>
+          <a:p>
+            <a:r>
+              <a:rPr lang="en-US" sz="2000" dirty="0" err="1" smtClean="0"/>
+              <a:t>Bệnh</a:t>
+            </a:r>
+            <a:r>
+              <a:rPr lang="en-US" sz="2000" dirty="0" smtClean="0"/>
+              <a:t> </a:t>
+            </a:r>
+            <a:r>
+              <a:rPr lang="en-US" sz="2000" dirty="0" err="1" smtClean="0"/>
+              <a:t>Án</a:t>
+            </a:r>
+            <a:r>
+              <a:rPr lang="en-US" sz="2000" dirty="0" smtClean="0"/>
+              <a:t> </a:t>
+            </a:r>
+            <a:r>
+              <a:rPr lang="en-US" sz="2000" dirty="0" err="1" smtClean="0"/>
+              <a:t>Ngoại</a:t>
+            </a:r>
+            <a:r>
+              <a:rPr lang="en-US" sz="2000" dirty="0" smtClean="0"/>
+              <a:t> </a:t>
+            </a:r>
+            <a:r>
+              <a:rPr lang="en-US" sz="2000" dirty="0" err="1" smtClean="0"/>
+              <a:t>Khoa</a:t>
+            </a:r>
+            <a:endParaRPr lang="en-US" sz="2000" dirty="0"/>
+          </a:p>
+        </p:txBody>
+      </p:sp>
+      <p:cxnSp>
+        <p:nvCxnSpPr>
+          <p:cNvPr id="15" name="Straight Arrow Connector 14"/>
+          <p:cNvCxnSpPr>
+            <a:stCxn id="1026" idx="2"/>
+            <a:endCxn id="13" idx="0"/>
+          </p:cNvCxnSpPr>
+          <p:nvPr/>
+        </p:nvCxnSpPr>
+        <p:spPr>
+          <a:xfrm>
+            <a:off x="6972300" y="3468007"/>
+            <a:ext cx="0" cy="1846883"/>
+          </a:xfrm>
+          <a:prstGeom prst="straightConnector1">
+            <a:avLst/>
+          </a:prstGeom>
+          <a:ln>
+            <a:tailEnd type="arrow"/>
+          </a:ln>
+        </p:spPr>
+        <p:style>
+          <a:lnRef idx="1">
+            <a:schemeClr val="accent1"/>
+          </a:lnRef>
+          <a:fillRef idx="0">
+            <a:schemeClr val="accent1"/>
+          </a:fillRef>
+          <a:effectRef idx="0">
+            <a:schemeClr val="accent1"/>
+          </a:effectRef>
+          <a:fontRef idx="minor">
+            <a:schemeClr val="tx1"/>
+          </a:fontRef>
+        </p:style>
+      </p:cxnSp>
+      <p:sp>
+        <p:nvSpPr>
+          <p:cNvPr id="17" name="TextBox 16"/>
+          <p:cNvSpPr txBox="1"/>
+          <p:nvPr/>
+        </p:nvSpPr>
+        <p:spPr>
+          <a:xfrm>
+            <a:off x="7061729" y="3869026"/>
+            <a:ext cx="1749197" cy="707886"/>
+          </a:xfrm>
+          <a:prstGeom prst="rect">
+            <a:avLst/>
+          </a:prstGeom>
+          <a:noFill/>
+        </p:spPr>
+        <p:txBody>
+          <a:bodyPr wrap="none" rtlCol="0">
+            <a:spAutoFit/>
+          </a:bodyPr>
+          <a:lstStyle/>
+          <a:p>
+            <a:r>
+              <a:rPr lang="en-US" sz="2000" dirty="0" smtClean="0"/>
+              <a:t>Created on</a:t>
+            </a:r>
+            <a:endParaRPr lang="en-US" sz="2000" dirty="0"/>
+          </a:p>
+          <a:p>
+            <a:r>
+              <a:rPr lang="en-US" sz="2000" dirty="0" smtClean="0"/>
+              <a:t>01/08/2014</a:t>
+            </a:r>
+            <a:endParaRPr lang="en-US" sz="2000" dirty="0"/>
           </a:p>
         </p:txBody>
       </p:sp>
     </p:spTree>
     <p:extLst>
       <p:ext uri="{BB962C8B-B14F-4D97-AF65-F5344CB8AC3E}">
-        <p14:creationId xmlns:p14="http://schemas.microsoft.com/office/powerpoint/2010/main" val="3362143760"/>
+        <p14:creationId xmlns:p14="http://schemas.microsoft.com/office/powerpoint/2010/main" val="3236447996"/>
       </p:ext>
     </p:extLst>
   </p:cSld>
@@ -8685,12 +9805,14 @@
         </p:nvSpPr>
         <p:spPr/>
         <p:txBody>
-          <a:bodyPr/>
+          <a:bodyPr>
+            <a:normAutofit/>
+          </a:bodyPr>
           <a:lstStyle/>
           <a:p>
             <a:r>
               <a:rPr lang="en-US" dirty="0" smtClean="0"/>
-              <a:t>Capture webcam</a:t>
+              <a:t>Scenario</a:t>
             </a:r>
             <a:endParaRPr lang="en-US" dirty="0"/>
           </a:p>
@@ -8698,12 +9820,14 @@
       </p:sp>
       <p:pic>
         <p:nvPicPr>
-          <p:cNvPr id="5" name="Picture 4" descr="E:\online-medical-consultant-system\Document\Report\Diagram\ERD\Capture webcam.png"/>
-          <p:cNvPicPr/>
+          <p:cNvPr id="5" name="Picture 2" descr="C:\Users\danhtc\Desktop\People-Patient-Male-icon.png"/>
+          <p:cNvPicPr>
+            <a:picLocks noChangeAspect="1" noChangeArrowheads="1"/>
+          </p:cNvPicPr>
           <p:nvPr/>
         </p:nvPicPr>
         <p:blipFill>
-          <a:blip r:embed="rId2">
+          <a:blip r:embed="rId3">
             <a:extLst>
               <a:ext uri="{28A0092B-C50C-407E-A947-70E740481C1C}">
                 <a14:useLocalDpi xmlns:a14="http://schemas.microsoft.com/office/drawing/2010/main" val="0"/>
@@ -8717,22 +9841,263 @@
         </p:blipFill>
         <p:spPr bwMode="auto">
           <a:xfrm>
-            <a:off x="1143000" y="1219200"/>
-            <a:ext cx="6389370" cy="5356860"/>
+            <a:off x="739921" y="1458232"/>
+            <a:ext cx="1905000" cy="1905000"/>
           </a:xfrm>
           <a:prstGeom prst="rect">
             <a:avLst/>
           </a:prstGeom>
           <a:noFill/>
+          <a:extLst>
+            <a:ext uri="{909E8E84-426E-40DD-AFC4-6F175D3DCCD1}">
+              <a14:hiddenFill xmlns:a14="http://schemas.microsoft.com/office/drawing/2010/main">
+                <a:solidFill>
+                  <a:srgbClr val="FFFFFF"/>
+                </a:solidFill>
+              </a14:hiddenFill>
+            </a:ext>
+          </a:extLst>
+        </p:spPr>
+      </p:pic>
+      <p:sp>
+        <p:nvSpPr>
+          <p:cNvPr id="6" name="TextBox 5"/>
+          <p:cNvSpPr txBox="1"/>
+          <p:nvPr/>
+        </p:nvSpPr>
+        <p:spPr>
+          <a:xfrm>
+            <a:off x="1019937" y="3440668"/>
+            <a:ext cx="1128835" cy="400110"/>
+          </a:xfrm>
+          <a:prstGeom prst="rect">
+            <a:avLst/>
+          </a:prstGeom>
+          <a:noFill/>
+        </p:spPr>
+        <p:txBody>
+          <a:bodyPr wrap="none" rtlCol="0">
+            <a:spAutoFit/>
+          </a:bodyPr>
+          <a:lstStyle/>
+          <a:p>
+            <a:r>
+              <a:rPr lang="en-US" sz="2000" dirty="0" smtClean="0"/>
+              <a:t>Su Tran</a:t>
+            </a:r>
+            <a:endParaRPr lang="en-US" sz="2000" dirty="0"/>
+          </a:p>
+        </p:txBody>
+      </p:sp>
+      <p:sp>
+        <p:nvSpPr>
+          <p:cNvPr id="7" name="TextBox 6"/>
+          <p:cNvSpPr txBox="1"/>
+          <p:nvPr/>
+        </p:nvSpPr>
+        <p:spPr>
+          <a:xfrm>
+            <a:off x="3106057" y="2057400"/>
+            <a:ext cx="2419252" cy="707886"/>
+          </a:xfrm>
+          <a:prstGeom prst="rect">
+            <a:avLst/>
+          </a:prstGeom>
+          <a:noFill/>
+        </p:spPr>
+        <p:txBody>
+          <a:bodyPr wrap="none" rtlCol="0">
+            <a:spAutoFit/>
+          </a:bodyPr>
+          <a:lstStyle/>
+          <a:p>
+            <a:r>
+              <a:rPr lang="en-US" sz="2000" dirty="0" smtClean="0"/>
+              <a:t>First consulted on</a:t>
+            </a:r>
+            <a:endParaRPr lang="en-US" sz="2000" dirty="0"/>
+          </a:p>
+          <a:p>
+            <a:r>
+              <a:rPr lang="en-US" sz="2000" dirty="0" smtClean="0"/>
+              <a:t>15/09/2014</a:t>
+            </a:r>
+            <a:endParaRPr lang="en-US" sz="2000" dirty="0"/>
+          </a:p>
+        </p:txBody>
+      </p:sp>
+      <p:cxnSp>
+        <p:nvCxnSpPr>
+          <p:cNvPr id="11" name="Straight Arrow Connector 10"/>
+          <p:cNvCxnSpPr>
+            <a:stCxn id="5" idx="3"/>
+          </p:cNvCxnSpPr>
+          <p:nvPr/>
+        </p:nvCxnSpPr>
+        <p:spPr>
+          <a:xfrm>
+            <a:off x="2644921" y="2410732"/>
+            <a:ext cx="2917679" cy="0"/>
+          </a:xfrm>
+          <a:prstGeom prst="straightConnector1">
+            <a:avLst/>
+          </a:prstGeom>
           <a:ln>
-            <a:noFill/>
+            <a:tailEnd type="arrow"/>
           </a:ln>
         </p:spPr>
-      </p:pic>
+        <p:style>
+          <a:lnRef idx="1">
+            <a:schemeClr val="accent1"/>
+          </a:lnRef>
+          <a:fillRef idx="0">
+            <a:schemeClr val="accent1"/>
+          </a:fillRef>
+          <a:effectRef idx="0">
+            <a:schemeClr val="accent1"/>
+          </a:effectRef>
+          <a:fontRef idx="minor">
+            <a:schemeClr val="tx1"/>
+          </a:fontRef>
+        </p:style>
+      </p:cxnSp>
+      <p:sp>
+        <p:nvSpPr>
+          <p:cNvPr id="3" name="Rectangle 2"/>
+          <p:cNvSpPr/>
+          <p:nvPr/>
+        </p:nvSpPr>
+        <p:spPr>
+          <a:xfrm>
+            <a:off x="5609164" y="1949067"/>
+            <a:ext cx="2172390" cy="923330"/>
+          </a:xfrm>
+          <a:prstGeom prst="rect">
+            <a:avLst/>
+          </a:prstGeom>
+          <a:noFill/>
+        </p:spPr>
+        <p:txBody>
+          <a:bodyPr wrap="none" lIns="91440" tIns="45720" rIns="91440" bIns="45720">
+            <a:spAutoFit/>
+          </a:bodyPr>
+          <a:lstStyle/>
+          <a:p>
+            <a:pPr algn="ctr"/>
+            <a:r>
+              <a:rPr lang="en-US" sz="5400" b="1" cap="none" spc="0" dirty="0" smtClean="0">
+                <a:ln w="17780" cmpd="sng">
+                  <a:solidFill>
+                    <a:srgbClr val="FFFFFF"/>
+                  </a:solidFill>
+                  <a:prstDash val="solid"/>
+                  <a:miter lim="800000"/>
+                </a:ln>
+                <a:gradFill rotWithShape="1">
+                  <a:gsLst>
+                    <a:gs pos="0">
+                      <a:srgbClr val="000000">
+                        <a:tint val="92000"/>
+                        <a:shade val="100000"/>
+                        <a:satMod val="150000"/>
+                      </a:srgbClr>
+                    </a:gs>
+                    <a:gs pos="49000">
+                      <a:srgbClr val="000000">
+                        <a:tint val="89000"/>
+                        <a:shade val="90000"/>
+                        <a:satMod val="150000"/>
+                      </a:srgbClr>
+                    </a:gs>
+                    <a:gs pos="50000">
+                      <a:srgbClr val="000000">
+                        <a:tint val="100000"/>
+                        <a:shade val="75000"/>
+                        <a:satMod val="150000"/>
+                      </a:srgbClr>
+                    </a:gs>
+                    <a:gs pos="95000">
+                      <a:srgbClr val="000000">
+                        <a:shade val="47000"/>
+                        <a:satMod val="150000"/>
+                      </a:srgbClr>
+                    </a:gs>
+                    <a:gs pos="100000">
+                      <a:srgbClr val="000000">
+                        <a:shade val="39000"/>
+                        <a:satMod val="150000"/>
+                      </a:srgbClr>
+                    </a:gs>
+                  </a:gsLst>
+                  <a:lin ang="5400000"/>
+                </a:gradFill>
+                <a:effectLst>
+                  <a:outerShdw blurRad="50800" algn="tl" rotWithShape="0">
+                    <a:srgbClr val="000000"/>
+                  </a:outerShdw>
+                </a:effectLst>
+              </a:rPr>
+              <a:t>OMCS</a:t>
+            </a:r>
+            <a:endParaRPr lang="en-US" sz="5400" b="1" cap="none" spc="0" dirty="0">
+              <a:ln w="17780" cmpd="sng">
+                <a:solidFill>
+                  <a:srgbClr val="FFFFFF"/>
+                </a:solidFill>
+                <a:prstDash val="solid"/>
+                <a:miter lim="800000"/>
+              </a:ln>
+              <a:gradFill rotWithShape="1">
+                <a:gsLst>
+                  <a:gs pos="0">
+                    <a:srgbClr val="000000">
+                      <a:tint val="92000"/>
+                      <a:shade val="100000"/>
+                      <a:satMod val="150000"/>
+                    </a:srgbClr>
+                  </a:gs>
+                  <a:gs pos="49000">
+                    <a:srgbClr val="000000">
+                      <a:tint val="89000"/>
+                      <a:shade val="90000"/>
+                      <a:satMod val="150000"/>
+                    </a:srgbClr>
+                  </a:gs>
+                  <a:gs pos="50000">
+                    <a:srgbClr val="000000">
+                      <a:tint val="100000"/>
+                      <a:shade val="75000"/>
+                      <a:satMod val="150000"/>
+                    </a:srgbClr>
+                  </a:gs>
+                  <a:gs pos="95000">
+                    <a:srgbClr val="000000">
+                      <a:shade val="47000"/>
+                      <a:satMod val="150000"/>
+                    </a:srgbClr>
+                  </a:gs>
+                  <a:gs pos="100000">
+                    <a:srgbClr val="000000">
+                      <a:shade val="39000"/>
+                      <a:satMod val="150000"/>
+                    </a:srgbClr>
+                  </a:gs>
+                </a:gsLst>
+                <a:lin ang="5400000"/>
+              </a:gradFill>
+              <a:effectLst>
+                <a:outerShdw blurRad="50800" algn="tl" rotWithShape="0">
+                  <a:srgbClr val="000000"/>
+                </a:outerShdw>
+              </a:effectLst>
+            </a:endParaRPr>
+          </a:p>
+        </p:txBody>
+      </p:sp>
     </p:spTree>
     <p:extLst>
       <p:ext uri="{BB962C8B-B14F-4D97-AF65-F5344CB8AC3E}">
-        <p14:creationId xmlns:p14="http://schemas.microsoft.com/office/powerpoint/2010/main" val="1205084367"/>
+        <p14:creationId xmlns:p14="http://schemas.microsoft.com/office/powerpoint/2010/main" val="22304100"/>
       </p:ext>
     </p:extLst>
   </p:cSld>
@@ -8766,28 +10131,31 @@
           <a:chExt cx="0" cy="0"/>
         </a:xfrm>
       </p:grpSpPr>
-      <p:sp>
-        <p:nvSpPr>
-          <p:cNvPr id="3" name="Content Placeholder 2"/>
-          <p:cNvSpPr>
-            <a:spLocks noGrp="1"/>
-          </p:cNvSpPr>
+      <p:graphicFrame>
+        <p:nvGraphicFramePr>
+          <p:cNvPr id="4" name="Content Placeholder 3"/>
+          <p:cNvGraphicFramePr>
+            <a:graphicFrameLocks noGrp="1"/>
+          </p:cNvGraphicFramePr>
           <p:nvPr>
             <p:ph idx="1"/>
+            <p:extLst>
+              <p:ext uri="{D42A27DB-BD31-4B8C-83A1-F6EECF244321}">
+                <p14:modId xmlns:p14="http://schemas.microsoft.com/office/powerpoint/2010/main" val="3915699772"/>
+              </p:ext>
+            </p:extLst>
           </p:nvPr>
-        </p:nvSpPr>
-        <p:spPr/>
-        <p:txBody>
-          <a:bodyPr>
-            <a:normAutofit/>
-          </a:bodyPr>
-          <a:lstStyle/>
-          <a:p>
-            <a:pPr lvl="0"/>
-            <a:endParaRPr lang="en-US" sz="3200" dirty="0" smtClean="0"/>
-          </a:p>
-        </p:txBody>
-      </p:sp>
+        </p:nvGraphicFramePr>
+        <p:xfrm>
+          <a:off x="457200" y="1481138"/>
+          <a:ext cx="8229600" cy="4525962"/>
+        </p:xfrm>
+        <a:graphic>
+          <a:graphicData uri="http://schemas.openxmlformats.org/drawingml/2006/diagram">
+            <dgm:relIds xmlns:dgm="http://schemas.openxmlformats.org/drawingml/2006/diagram" xmlns:r="http://schemas.openxmlformats.org/officeDocument/2006/relationships" r:dm="rId2" r:lo="rId3" r:qs="rId4" r:cs="rId5"/>
+          </a:graphicData>
+        </a:graphic>
+      </p:graphicFrame>
       <p:sp>
         <p:nvSpPr>
           <p:cNvPr id="2" name="Title 1"/>
@@ -8800,12 +10168,14 @@
         </p:nvSpPr>
         <p:spPr/>
         <p:txBody>
-          <a:bodyPr/>
+          <a:bodyPr>
+            <a:normAutofit/>
+          </a:bodyPr>
           <a:lstStyle/>
           <a:p>
             <a:r>
               <a:rPr lang="en-US" dirty="0" smtClean="0"/>
-              <a:t>Q&amp;A</a:t>
+              <a:t>Demo</a:t>
             </a:r>
             <a:endParaRPr lang="en-US" dirty="0"/>
           </a:p>
@@ -8814,7 +10184,7 @@
     </p:spTree>
     <p:extLst>
       <p:ext uri="{BB962C8B-B14F-4D97-AF65-F5344CB8AC3E}">
-        <p14:creationId xmlns:p14="http://schemas.microsoft.com/office/powerpoint/2010/main" val="2252970761"/>
+        <p14:creationId xmlns:p14="http://schemas.microsoft.com/office/powerpoint/2010/main" val="3362143760"/>
       </p:ext>
     </p:extLst>
   </p:cSld>
@@ -9116,4 +10486,289 @@
   <a:objectDefaults/>
   <a:extraClrSchemeLst/>
 </a:theme>
+</file>
+
+<file path=ppt/theme/theme2.xml><?xml version="1.0" encoding="utf-8"?>
+<a:theme xmlns:a="http://schemas.openxmlformats.org/drawingml/2006/main" name="Office Theme">
+  <a:themeElements>
+    <a:clrScheme name="Office">
+      <a:dk1>
+        <a:sysClr val="windowText" lastClr="000000"/>
+      </a:dk1>
+      <a:lt1>
+        <a:sysClr val="window" lastClr="FFFFFF"/>
+      </a:lt1>
+      <a:dk2>
+        <a:srgbClr val="1F497D"/>
+      </a:dk2>
+      <a:lt2>
+        <a:srgbClr val="EEECE1"/>
+      </a:lt2>
+      <a:accent1>
+        <a:srgbClr val="4F81BD"/>
+      </a:accent1>
+      <a:accent2>
+        <a:srgbClr val="C0504D"/>
+      </a:accent2>
+      <a:accent3>
+        <a:srgbClr val="9BBB59"/>
+      </a:accent3>
+      <a:accent4>
+        <a:srgbClr val="8064A2"/>
+      </a:accent4>
+      <a:accent5>
+        <a:srgbClr val="4BACC6"/>
+      </a:accent5>
+      <a:accent6>
+        <a:srgbClr val="F79646"/>
+      </a:accent6>
+      <a:hlink>
+        <a:srgbClr val="0000FF"/>
+      </a:hlink>
+      <a:folHlink>
+        <a:srgbClr val="800080"/>
+      </a:folHlink>
+    </a:clrScheme>
+    <a:fontScheme name="Office">
+      <a:majorFont>
+        <a:latin typeface="Calibri"/>
+        <a:ea typeface=""/>
+        <a:cs typeface=""/>
+        <a:font script="Jpan" typeface="ＭＳ Ｐゴシック"/>
+        <a:font script="Hang" typeface="맑은 고딕"/>
+        <a:font script="Hans" typeface="宋体"/>
+        <a:font script="Hant" typeface="新細明體"/>
+        <a:font script="Arab" typeface="Times New Roman"/>
+        <a:font script="Hebr" typeface="Times New Roman"/>
+        <a:font script="Thai" typeface="Angsana New"/>
+        <a:font script="Ethi" typeface="Nyala"/>
+        <a:font script="Beng" typeface="Vrinda"/>
+        <a:font script="Gujr" typeface="Shruti"/>
+        <a:font script="Khmr" typeface="MoolBoran"/>
+        <a:font script="Knda" typeface="Tunga"/>
+        <a:font script="Guru" typeface="Raavi"/>
+        <a:font script="Cans" typeface="Euphemia"/>
+        <a:font script="Cher" typeface="Plantagenet Cherokee"/>
+        <a:font script="Yiii" typeface="Microsoft Yi Baiti"/>
+        <a:font script="Tibt" typeface="Microsoft Himalaya"/>
+        <a:font script="Thaa" typeface="MV Boli"/>
+        <a:font script="Deva" typeface="Mangal"/>
+        <a:font script="Telu" typeface="Gautami"/>
+        <a:font script="Taml" typeface="Latha"/>
+        <a:font script="Syrc" typeface="Estrangelo Edessa"/>
+        <a:font script="Orya" typeface="Kalinga"/>
+        <a:font script="Mlym" typeface="Kartika"/>
+        <a:font script="Laoo" typeface="DokChampa"/>
+        <a:font script="Sinh" typeface="Iskoola Pota"/>
+        <a:font script="Mong" typeface="Mongolian Baiti"/>
+        <a:font script="Viet" typeface="Times New Roman"/>
+        <a:font script="Uigh" typeface="Microsoft Uighur"/>
+        <a:font script="Geor" typeface="Sylfaen"/>
+      </a:majorFont>
+      <a:minorFont>
+        <a:latin typeface="Calibri"/>
+        <a:ea typeface=""/>
+        <a:cs typeface=""/>
+        <a:font script="Jpan" typeface="ＭＳ Ｐゴシック"/>
+        <a:font script="Hang" typeface="맑은 고딕"/>
+        <a:font script="Hans" typeface="宋体"/>
+        <a:font script="Hant" typeface="新細明體"/>
+        <a:font script="Arab" typeface="Arial"/>
+        <a:font script="Hebr" typeface="Arial"/>
+        <a:font script="Thai" typeface="Cordia New"/>
+        <a:font script="Ethi" typeface="Nyala"/>
+        <a:font script="Beng" typeface="Vrinda"/>
+        <a:font script="Gujr" typeface="Shruti"/>
+        <a:font script="Khmr" typeface="DaunPenh"/>
+        <a:font script="Knda" typeface="Tunga"/>
+        <a:font script="Guru" typeface="Raavi"/>
+        <a:font script="Cans" typeface="Euphemia"/>
+        <a:font script="Cher" typeface="Plantagenet Cherokee"/>
+        <a:font script="Yiii" typeface="Microsoft Yi Baiti"/>
+        <a:font script="Tibt" typeface="Microsoft Himalaya"/>
+        <a:font script="Thaa" typeface="MV Boli"/>
+        <a:font script="Deva" typeface="Mangal"/>
+        <a:font script="Telu" typeface="Gautami"/>
+        <a:font script="Taml" typeface="Latha"/>
+        <a:font script="Syrc" typeface="Estrangelo Edessa"/>
+        <a:font script="Orya" typeface="Kalinga"/>
+        <a:font script="Mlym" typeface="Kartika"/>
+        <a:font script="Laoo" typeface="DokChampa"/>
+        <a:font script="Sinh" typeface="Iskoola Pota"/>
+        <a:font script="Mong" typeface="Mongolian Baiti"/>
+        <a:font script="Viet" typeface="Arial"/>
+        <a:font script="Uigh" typeface="Microsoft Uighur"/>
+        <a:font script="Geor" typeface="Sylfaen"/>
+      </a:minorFont>
+    </a:fontScheme>
+    <a:fmtScheme name="Office">
+      <a:fillStyleLst>
+        <a:solidFill>
+          <a:schemeClr val="phClr"/>
+        </a:solidFill>
+        <a:gradFill rotWithShape="1">
+          <a:gsLst>
+            <a:gs pos="0">
+              <a:schemeClr val="phClr">
+                <a:tint val="50000"/>
+                <a:satMod val="300000"/>
+              </a:schemeClr>
+            </a:gs>
+            <a:gs pos="35000">
+              <a:schemeClr val="phClr">
+                <a:tint val="37000"/>
+                <a:satMod val="300000"/>
+              </a:schemeClr>
+            </a:gs>
+            <a:gs pos="100000">
+              <a:schemeClr val="phClr">
+                <a:tint val="15000"/>
+                <a:satMod val="350000"/>
+              </a:schemeClr>
+            </a:gs>
+          </a:gsLst>
+          <a:lin ang="16200000" scaled="1"/>
+        </a:gradFill>
+        <a:gradFill rotWithShape="1">
+          <a:gsLst>
+            <a:gs pos="0">
+              <a:schemeClr val="phClr">
+                <a:shade val="51000"/>
+                <a:satMod val="130000"/>
+              </a:schemeClr>
+            </a:gs>
+            <a:gs pos="80000">
+              <a:schemeClr val="phClr">
+                <a:shade val="93000"/>
+                <a:satMod val="130000"/>
+              </a:schemeClr>
+            </a:gs>
+            <a:gs pos="100000">
+              <a:schemeClr val="phClr">
+                <a:shade val="94000"/>
+                <a:satMod val="135000"/>
+              </a:schemeClr>
+            </a:gs>
+          </a:gsLst>
+          <a:lin ang="16200000" scaled="0"/>
+        </a:gradFill>
+      </a:fillStyleLst>
+      <a:lnStyleLst>
+        <a:ln w="9525" cap="flat" cmpd="sng" algn="ctr">
+          <a:solidFill>
+            <a:schemeClr val="phClr">
+              <a:shade val="95000"/>
+              <a:satMod val="105000"/>
+            </a:schemeClr>
+          </a:solidFill>
+          <a:prstDash val="solid"/>
+        </a:ln>
+        <a:ln w="25400" cap="flat" cmpd="sng" algn="ctr">
+          <a:solidFill>
+            <a:schemeClr val="phClr"/>
+          </a:solidFill>
+          <a:prstDash val="solid"/>
+        </a:ln>
+        <a:ln w="38100" cap="flat" cmpd="sng" algn="ctr">
+          <a:solidFill>
+            <a:schemeClr val="phClr"/>
+          </a:solidFill>
+          <a:prstDash val="solid"/>
+        </a:ln>
+      </a:lnStyleLst>
+      <a:effectStyleLst>
+        <a:effectStyle>
+          <a:effectLst>
+            <a:outerShdw blurRad="40000" dist="20000" dir="5400000" rotWithShape="0">
+              <a:srgbClr val="000000">
+                <a:alpha val="38000"/>
+              </a:srgbClr>
+            </a:outerShdw>
+          </a:effectLst>
+        </a:effectStyle>
+        <a:effectStyle>
+          <a:effectLst>
+            <a:outerShdw blurRad="40000" dist="23000" dir="5400000" rotWithShape="0">
+              <a:srgbClr val="000000">
+                <a:alpha val="35000"/>
+              </a:srgbClr>
+            </a:outerShdw>
+          </a:effectLst>
+        </a:effectStyle>
+        <a:effectStyle>
+          <a:effectLst>
+            <a:outerShdw blurRad="40000" dist="23000" dir="5400000" rotWithShape="0">
+              <a:srgbClr val="000000">
+                <a:alpha val="35000"/>
+              </a:srgbClr>
+            </a:outerShdw>
+          </a:effectLst>
+          <a:scene3d>
+            <a:camera prst="orthographicFront">
+              <a:rot lat="0" lon="0" rev="0"/>
+            </a:camera>
+            <a:lightRig rig="threePt" dir="t">
+              <a:rot lat="0" lon="0" rev="1200000"/>
+            </a:lightRig>
+          </a:scene3d>
+          <a:sp3d>
+            <a:bevelT w="63500" h="25400"/>
+          </a:sp3d>
+        </a:effectStyle>
+      </a:effectStyleLst>
+      <a:bgFillStyleLst>
+        <a:solidFill>
+          <a:schemeClr val="phClr"/>
+        </a:solidFill>
+        <a:gradFill rotWithShape="1">
+          <a:gsLst>
+            <a:gs pos="0">
+              <a:schemeClr val="phClr">
+                <a:tint val="40000"/>
+                <a:satMod val="350000"/>
+              </a:schemeClr>
+            </a:gs>
+            <a:gs pos="40000">
+              <a:schemeClr val="phClr">
+                <a:tint val="45000"/>
+                <a:shade val="99000"/>
+                <a:satMod val="350000"/>
+              </a:schemeClr>
+            </a:gs>
+            <a:gs pos="100000">
+              <a:schemeClr val="phClr">
+                <a:shade val="20000"/>
+                <a:satMod val="255000"/>
+              </a:schemeClr>
+            </a:gs>
+          </a:gsLst>
+          <a:path path="circle">
+            <a:fillToRect l="50000" t="-80000" r="50000" b="180000"/>
+          </a:path>
+        </a:gradFill>
+        <a:gradFill rotWithShape="1">
+          <a:gsLst>
+            <a:gs pos="0">
+              <a:schemeClr val="phClr">
+                <a:tint val="80000"/>
+                <a:satMod val="300000"/>
+              </a:schemeClr>
+            </a:gs>
+            <a:gs pos="100000">
+              <a:schemeClr val="phClr">
+                <a:shade val="30000"/>
+                <a:satMod val="200000"/>
+              </a:schemeClr>
+            </a:gs>
+          </a:gsLst>
+          <a:path path="circle">
+            <a:fillToRect l="50000" t="50000" r="50000" b="50000"/>
+          </a:path>
+        </a:gradFill>
+      </a:bgFillStyleLst>
+    </a:fmtScheme>
+  </a:themeElements>
+  <a:objectDefaults/>
+  <a:extraClrSchemeLst/>
+</a:theme>
 </file>